--- a/CSML1010_Group3_Project_Milestone01.pptx
+++ b/CSML1010_Group3_Project_Milestone01.pptx
@@ -5,27 +5,34 @@
     <p:sldMasterId id="2147483648" r:id="rId1"/>
   </p:sldMasterIdLst>
   <p:notesMasterIdLst>
-    <p:notesMasterId r:id="rId20"/>
+    <p:notesMasterId r:id="rId27"/>
   </p:notesMasterIdLst>
   <p:sldIdLst>
     <p:sldId id="257" r:id="rId2"/>
     <p:sldId id="258" r:id="rId3"/>
     <p:sldId id="273" r:id="rId4"/>
-    <p:sldId id="260" r:id="rId5"/>
-    <p:sldId id="292" r:id="rId6"/>
-    <p:sldId id="259" r:id="rId7"/>
-    <p:sldId id="264" r:id="rId8"/>
-    <p:sldId id="274" r:id="rId9"/>
-    <p:sldId id="283" r:id="rId10"/>
-    <p:sldId id="290" r:id="rId11"/>
-    <p:sldId id="289" r:id="rId12"/>
-    <p:sldId id="284" r:id="rId13"/>
-    <p:sldId id="286" r:id="rId14"/>
-    <p:sldId id="287" r:id="rId15"/>
-    <p:sldId id="288" r:id="rId16"/>
-    <p:sldId id="293" r:id="rId17"/>
-    <p:sldId id="294" r:id="rId18"/>
-    <p:sldId id="296" r:id="rId19"/>
+    <p:sldId id="259" r:id="rId5"/>
+    <p:sldId id="260" r:id="rId6"/>
+    <p:sldId id="292" r:id="rId7"/>
+    <p:sldId id="303" r:id="rId8"/>
+    <p:sldId id="264" r:id="rId9"/>
+    <p:sldId id="301" r:id="rId10"/>
+    <p:sldId id="274" r:id="rId11"/>
+    <p:sldId id="283" r:id="rId12"/>
+    <p:sldId id="290" r:id="rId13"/>
+    <p:sldId id="289" r:id="rId14"/>
+    <p:sldId id="284" r:id="rId15"/>
+    <p:sldId id="299" r:id="rId16"/>
+    <p:sldId id="286" r:id="rId17"/>
+    <p:sldId id="297" r:id="rId18"/>
+    <p:sldId id="287" r:id="rId19"/>
+    <p:sldId id="298" r:id="rId20"/>
+    <p:sldId id="288" r:id="rId21"/>
+    <p:sldId id="293" r:id="rId22"/>
+    <p:sldId id="302" r:id="rId23"/>
+    <p:sldId id="294" r:id="rId24"/>
+    <p:sldId id="296" r:id="rId25"/>
+    <p:sldId id="304" r:id="rId26"/>
   </p:sldIdLst>
   <p:sldSz cx="12192000" cy="6858000"/>
   <p:notesSz cx="6858000" cy="9144000"/>
@@ -3582,7 +3589,7 @@
           <a:p>
             <a:fld id="{E6317E0B-A3D3-495C-A4A5-504BD0130225}" type="datetimeFigureOut">
               <a:rPr lang="en-CA" smtClean="0"/>
-              <a:t>2020-04-17</a:t>
+              <a:t>2020-04-18</a:t>
             </a:fld>
             <a:endParaRPr lang="en-CA"/>
           </a:p>
@@ -3999,7 +4006,7 @@
           <a:p>
             <a:fld id="{CFED61B6-4A00-4DBB-8E9B-BCC4333A0018}" type="slidenum">
               <a:rPr lang="en-CA" smtClean="0"/>
-              <a:t>10</a:t>
+              <a:t>12</a:t>
             </a:fld>
             <a:endParaRPr lang="en-CA"/>
           </a:p>
@@ -4087,7 +4094,7 @@
           <a:p>
             <a:fld id="{CFED61B6-4A00-4DBB-8E9B-BCC4333A0018}" type="slidenum">
               <a:rPr lang="en-CA" smtClean="0"/>
-              <a:t>11</a:t>
+              <a:t>13</a:t>
             </a:fld>
             <a:endParaRPr lang="en-CA"/>
           </a:p>
@@ -4171,7 +4178,7 @@
           <a:p>
             <a:fld id="{CFED61B6-4A00-4DBB-8E9B-BCC4333A0018}" type="slidenum">
               <a:rPr lang="en-CA" smtClean="0"/>
-              <a:t>12</a:t>
+              <a:t>14</a:t>
             </a:fld>
             <a:endParaRPr lang="en-CA"/>
           </a:p>
@@ -4255,7 +4262,7 @@
           <a:p>
             <a:fld id="{CFED61B6-4A00-4DBB-8E9B-BCC4333A0018}" type="slidenum">
               <a:rPr lang="en-CA" smtClean="0"/>
-              <a:t>13</a:t>
+              <a:t>16</a:t>
             </a:fld>
             <a:endParaRPr lang="en-CA"/>
           </a:p>
@@ -4339,7 +4346,7 @@
           <a:p>
             <a:fld id="{CFED61B6-4A00-4DBB-8E9B-BCC4333A0018}" type="slidenum">
               <a:rPr lang="en-CA" smtClean="0"/>
-              <a:t>14</a:t>
+              <a:t>18</a:t>
             </a:fld>
             <a:endParaRPr lang="en-CA"/>
           </a:p>
@@ -4423,7 +4430,7 @@
           <a:p>
             <a:fld id="{CFED61B6-4A00-4DBB-8E9B-BCC4333A0018}" type="slidenum">
               <a:rPr lang="en-CA" smtClean="0"/>
-              <a:t>15</a:t>
+              <a:t>20</a:t>
             </a:fld>
             <a:endParaRPr lang="en-CA"/>
           </a:p>
@@ -4507,7 +4514,7 @@
           <a:p>
             <a:fld id="{CFED61B6-4A00-4DBB-8E9B-BCC4333A0018}" type="slidenum">
               <a:rPr lang="en-CA" smtClean="0"/>
-              <a:t>16</a:t>
+              <a:t>21</a:t>
             </a:fld>
             <a:endParaRPr lang="en-CA"/>
           </a:p>
@@ -4591,7 +4598,7 @@
           <a:p>
             <a:fld id="{CFED61B6-4A00-4DBB-8E9B-BCC4333A0018}" type="slidenum">
               <a:rPr lang="en-CA" smtClean="0"/>
-              <a:t>17</a:t>
+              <a:t>23</a:t>
             </a:fld>
             <a:endParaRPr lang="en-CA"/>
           </a:p>
@@ -4675,7 +4682,7 @@
           <a:p>
             <a:fld id="{CFED61B6-4A00-4DBB-8E9B-BCC4333A0018}" type="slidenum">
               <a:rPr lang="en-CA" smtClean="0"/>
-              <a:t>18</a:t>
+              <a:t>24</a:t>
             </a:fld>
             <a:endParaRPr lang="en-CA"/>
           </a:p>
@@ -4936,7 +4943,7 @@
     </p:spTree>
     <p:extLst>
       <p:ext uri="{BB962C8B-B14F-4D97-AF65-F5344CB8AC3E}">
-        <p14:creationId xmlns:p14="http://schemas.microsoft.com/office/powerpoint/2010/main" val="3653098919"/>
+        <p14:creationId xmlns:p14="http://schemas.microsoft.com/office/powerpoint/2010/main" val="3179726386"/>
       </p:ext>
     </p:extLst>
   </p:cSld>
@@ -4990,12 +4997,6 @@
           <a:bodyPr/>
           <a:lstStyle/>
           <a:p>
-            <a:r>
-              <a:rPr lang="en-US" dirty="0"/>
-              <a:t>]</a:t>
-            </a:r>
-          </a:p>
-          <a:p>
             <a:endParaRPr lang="en-CA" dirty="0"/>
           </a:p>
         </p:txBody>
@@ -5026,7 +5027,7 @@
     </p:spTree>
     <p:extLst>
       <p:ext uri="{BB962C8B-B14F-4D97-AF65-F5344CB8AC3E}">
-        <p14:creationId xmlns:p14="http://schemas.microsoft.com/office/powerpoint/2010/main" val="780248389"/>
+        <p14:creationId xmlns:p14="http://schemas.microsoft.com/office/powerpoint/2010/main" val="3653098919"/>
       </p:ext>
     </p:extLst>
   </p:cSld>
@@ -5080,6 +5081,9 @@
           <a:bodyPr/>
           <a:lstStyle/>
           <a:p>
+            <a:endParaRPr lang="en-US" dirty="0"/>
+          </a:p>
+          <a:p>
             <a:endParaRPr lang="en-CA" dirty="0"/>
           </a:p>
         </p:txBody>
@@ -5110,7 +5114,7 @@
     </p:spTree>
     <p:extLst>
       <p:ext uri="{BB962C8B-B14F-4D97-AF65-F5344CB8AC3E}">
-        <p14:creationId xmlns:p14="http://schemas.microsoft.com/office/powerpoint/2010/main" val="3179726386"/>
+        <p14:creationId xmlns:p14="http://schemas.microsoft.com/office/powerpoint/2010/main" val="780248389"/>
       </p:ext>
     </p:extLst>
   </p:cSld>
@@ -5185,7 +5189,7 @@
           <a:p>
             <a:fld id="{CFED61B6-4A00-4DBB-8E9B-BCC4333A0018}" type="slidenum">
               <a:rPr lang="en-CA" smtClean="0"/>
-              <a:t>7</a:t>
+              <a:t>8</a:t>
             </a:fld>
             <a:endParaRPr lang="en-CA"/>
           </a:p>
@@ -5269,7 +5273,7 @@
           <a:p>
             <a:fld id="{CFED61B6-4A00-4DBB-8E9B-BCC4333A0018}" type="slidenum">
               <a:rPr lang="en-CA" smtClean="0"/>
-              <a:t>8</a:t>
+              <a:t>10</a:t>
             </a:fld>
             <a:endParaRPr lang="en-CA"/>
           </a:p>
@@ -5353,7 +5357,7 @@
           <a:p>
             <a:fld id="{CFED61B6-4A00-4DBB-8E9B-BCC4333A0018}" type="slidenum">
               <a:rPr lang="en-CA" smtClean="0"/>
-              <a:t>9</a:t>
+              <a:t>11</a:t>
             </a:fld>
             <a:endParaRPr lang="en-CA"/>
           </a:p>
@@ -5521,7 +5525,7 @@
           <a:p>
             <a:fld id="{41214EFD-F6C2-4FF2-A372-B412D13DB261}" type="datetimeFigureOut">
               <a:rPr lang="en-CA" smtClean="0"/>
-              <a:t>2020-04-17</a:t>
+              <a:t>2020-04-18</a:t>
             </a:fld>
             <a:endParaRPr lang="en-CA"/>
           </a:p>
@@ -5721,7 +5725,7 @@
           <a:p>
             <a:fld id="{41214EFD-F6C2-4FF2-A372-B412D13DB261}" type="datetimeFigureOut">
               <a:rPr lang="en-CA" smtClean="0"/>
-              <a:t>2020-04-17</a:t>
+              <a:t>2020-04-18</a:t>
             </a:fld>
             <a:endParaRPr lang="en-CA"/>
           </a:p>
@@ -5931,7 +5935,7 @@
           <a:p>
             <a:fld id="{41214EFD-F6C2-4FF2-A372-B412D13DB261}" type="datetimeFigureOut">
               <a:rPr lang="en-CA" smtClean="0"/>
-              <a:t>2020-04-17</a:t>
+              <a:t>2020-04-18</a:t>
             </a:fld>
             <a:endParaRPr lang="en-CA"/>
           </a:p>
@@ -6131,7 +6135,7 @@
           <a:p>
             <a:fld id="{41214EFD-F6C2-4FF2-A372-B412D13DB261}" type="datetimeFigureOut">
               <a:rPr lang="en-CA" smtClean="0"/>
-              <a:t>2020-04-17</a:t>
+              <a:t>2020-04-18</a:t>
             </a:fld>
             <a:endParaRPr lang="en-CA"/>
           </a:p>
@@ -6407,7 +6411,7 @@
           <a:p>
             <a:fld id="{41214EFD-F6C2-4FF2-A372-B412D13DB261}" type="datetimeFigureOut">
               <a:rPr lang="en-CA" smtClean="0"/>
-              <a:t>2020-04-17</a:t>
+              <a:t>2020-04-18</a:t>
             </a:fld>
             <a:endParaRPr lang="en-CA"/>
           </a:p>
@@ -6675,7 +6679,7 @@
           <a:p>
             <a:fld id="{41214EFD-F6C2-4FF2-A372-B412D13DB261}" type="datetimeFigureOut">
               <a:rPr lang="en-CA" smtClean="0"/>
-              <a:t>2020-04-17</a:t>
+              <a:t>2020-04-18</a:t>
             </a:fld>
             <a:endParaRPr lang="en-CA"/>
           </a:p>
@@ -7090,7 +7094,7 @@
           <a:p>
             <a:fld id="{41214EFD-F6C2-4FF2-A372-B412D13DB261}" type="datetimeFigureOut">
               <a:rPr lang="en-CA" smtClean="0"/>
-              <a:t>2020-04-17</a:t>
+              <a:t>2020-04-18</a:t>
             </a:fld>
             <a:endParaRPr lang="en-CA"/>
           </a:p>
@@ -7232,7 +7236,7 @@
           <a:p>
             <a:fld id="{41214EFD-F6C2-4FF2-A372-B412D13DB261}" type="datetimeFigureOut">
               <a:rPr lang="en-CA" smtClean="0"/>
-              <a:t>2020-04-17</a:t>
+              <a:t>2020-04-18</a:t>
             </a:fld>
             <a:endParaRPr lang="en-CA"/>
           </a:p>
@@ -7345,7 +7349,7 @@
           <a:p>
             <a:fld id="{41214EFD-F6C2-4FF2-A372-B412D13DB261}" type="datetimeFigureOut">
               <a:rPr lang="en-CA" smtClean="0"/>
-              <a:t>2020-04-17</a:t>
+              <a:t>2020-04-18</a:t>
             </a:fld>
             <a:endParaRPr lang="en-CA"/>
           </a:p>
@@ -7658,7 +7662,7 @@
           <a:p>
             <a:fld id="{41214EFD-F6C2-4FF2-A372-B412D13DB261}" type="datetimeFigureOut">
               <a:rPr lang="en-CA" smtClean="0"/>
-              <a:t>2020-04-17</a:t>
+              <a:t>2020-04-18</a:t>
             </a:fld>
             <a:endParaRPr lang="en-CA"/>
           </a:p>
@@ -7947,7 +7951,7 @@
           <a:p>
             <a:fld id="{41214EFD-F6C2-4FF2-A372-B412D13DB261}" type="datetimeFigureOut">
               <a:rPr lang="en-CA" smtClean="0"/>
-              <a:t>2020-04-17</a:t>
+              <a:t>2020-04-18</a:t>
             </a:fld>
             <a:endParaRPr lang="en-CA"/>
           </a:p>
@@ -8190,7 +8194,7 @@
           <a:p>
             <a:fld id="{41214EFD-F6C2-4FF2-A372-B412D13DB261}" type="datetimeFigureOut">
               <a:rPr lang="en-CA" smtClean="0"/>
-              <a:t>2020-04-17</a:t>
+              <a:t>2020-04-18</a:t>
             </a:fld>
             <a:endParaRPr lang="en-CA"/>
           </a:p>
@@ -9019,7 +9023,7 @@
         <p:spPr>
           <a:xfrm>
             <a:off x="838200" y="365125"/>
-            <a:ext cx="10515600" cy="975041"/>
+            <a:ext cx="10515600" cy="897299"/>
           </a:xfrm>
         </p:spPr>
         <p:txBody>
@@ -9028,7 +9032,7 @@
           <a:p>
             <a:r>
               <a:rPr lang="en-US" dirty="0"/>
-              <a:t>PCA on Bag of Words</a:t>
+              <a:t>Bag of Words</a:t>
             </a:r>
             <a:endParaRPr lang="en-CA" dirty="0"/>
           </a:p>
@@ -9085,6 +9089,598 @@
         <p:spPr>
           <a:xfrm flipH="1">
             <a:off x="6434393" y="1392328"/>
+            <a:ext cx="5637583" cy="369332"/>
+          </a:xfrm>
+          <a:prstGeom prst="rect">
+            <a:avLst/>
+          </a:prstGeom>
+          <a:noFill/>
+        </p:spPr>
+        <p:txBody>
+          <a:bodyPr wrap="square" rtlCol="0">
+            <a:spAutoFit/>
+          </a:bodyPr>
+          <a:lstStyle/>
+          <a:p>
+            <a:r>
+              <a:rPr lang="en-US" dirty="0"/>
+              <a:t>Feature Selection – Univariate with Chi</a:t>
+            </a:r>
+            <a:r>
+              <a:rPr lang="en-US" baseline="30000" dirty="0"/>
+              <a:t>2</a:t>
+            </a:r>
+            <a:endParaRPr lang="en-CA" baseline="30000" dirty="0"/>
+          </a:p>
+        </p:txBody>
+      </p:sp>
+      <p:sp>
+        <p:nvSpPr>
+          <p:cNvPr id="16" name="TextBox 15">
+            <a:extLst>
+              <a:ext uri="{FF2B5EF4-FFF2-40B4-BE49-F238E27FC236}">
+                <a16:creationId xmlns:a16="http://schemas.microsoft.com/office/drawing/2014/main" id="{DFAB541D-0AD9-4E5C-92A8-22735DDAF8E3}"/>
+              </a:ext>
+            </a:extLst>
+          </p:cNvPr>
+          <p:cNvSpPr txBox="1"/>
+          <p:nvPr/>
+        </p:nvSpPr>
+        <p:spPr>
+          <a:xfrm flipH="1">
+            <a:off x="1257933" y="4935482"/>
+            <a:ext cx="2574199" cy="369332"/>
+          </a:xfrm>
+          <a:prstGeom prst="rect">
+            <a:avLst/>
+          </a:prstGeom>
+          <a:noFill/>
+        </p:spPr>
+        <p:txBody>
+          <a:bodyPr wrap="square" rtlCol="0">
+            <a:spAutoFit/>
+          </a:bodyPr>
+          <a:lstStyle/>
+          <a:p>
+            <a:r>
+              <a:rPr lang="en-US" dirty="0"/>
+              <a:t>Benchmarking</a:t>
+            </a:r>
+            <a:endParaRPr lang="en-CA" dirty="0"/>
+          </a:p>
+        </p:txBody>
+      </p:sp>
+      <p:pic>
+        <p:nvPicPr>
+          <p:cNvPr id="3" name="Picture 2">
+            <a:extLst>
+              <a:ext uri="{FF2B5EF4-FFF2-40B4-BE49-F238E27FC236}">
+                <a16:creationId xmlns:a16="http://schemas.microsoft.com/office/drawing/2014/main" id="{D67EDD61-F0A5-413D-92C3-DB3AB963633B}"/>
+              </a:ext>
+            </a:extLst>
+          </p:cNvPr>
+          <p:cNvPicPr>
+            <a:picLocks noChangeAspect="1"/>
+          </p:cNvPicPr>
+          <p:nvPr/>
+        </p:nvPicPr>
+        <p:blipFill>
+          <a:blip r:embed="rId3"/>
+          <a:stretch>
+            <a:fillRect/>
+          </a:stretch>
+        </p:blipFill>
+        <p:spPr>
+          <a:xfrm>
+            <a:off x="6096000" y="1761153"/>
+            <a:ext cx="5975976" cy="2647951"/>
+          </a:xfrm>
+          <a:prstGeom prst="rect">
+            <a:avLst/>
+          </a:prstGeom>
+          <a:ln>
+            <a:noFill/>
+          </a:ln>
+          <a:effectLst>
+            <a:outerShdw blurRad="292100" dist="139700" dir="2700000" algn="tl" rotWithShape="0">
+              <a:srgbClr val="333333">
+                <a:alpha val="65000"/>
+              </a:srgbClr>
+            </a:outerShdw>
+          </a:effectLst>
+        </p:spPr>
+      </p:pic>
+      <p:pic>
+        <p:nvPicPr>
+          <p:cNvPr id="4" name="Picture 3">
+            <a:extLst>
+              <a:ext uri="{FF2B5EF4-FFF2-40B4-BE49-F238E27FC236}">
+                <a16:creationId xmlns:a16="http://schemas.microsoft.com/office/drawing/2014/main" id="{25A632A5-99A1-4196-850B-BF5A3EBA1DC8}"/>
+              </a:ext>
+            </a:extLst>
+          </p:cNvPr>
+          <p:cNvPicPr>
+            <a:picLocks noChangeAspect="1"/>
+          </p:cNvPicPr>
+          <p:nvPr/>
+        </p:nvPicPr>
+        <p:blipFill>
+          <a:blip r:embed="rId4"/>
+          <a:stretch>
+            <a:fillRect/>
+          </a:stretch>
+        </p:blipFill>
+        <p:spPr>
+          <a:xfrm>
+            <a:off x="436793" y="1758443"/>
+            <a:ext cx="4173308" cy="2850665"/>
+          </a:xfrm>
+          <a:prstGeom prst="rect">
+            <a:avLst/>
+          </a:prstGeom>
+          <a:ln>
+            <a:noFill/>
+          </a:ln>
+          <a:effectLst>
+            <a:outerShdw blurRad="292100" dist="139700" dir="2700000" algn="tl" rotWithShape="0">
+              <a:srgbClr val="333333">
+                <a:alpha val="65000"/>
+              </a:srgbClr>
+            </a:outerShdw>
+          </a:effectLst>
+        </p:spPr>
+      </p:pic>
+      <p:pic>
+        <p:nvPicPr>
+          <p:cNvPr id="5" name="Picture 4">
+            <a:extLst>
+              <a:ext uri="{FF2B5EF4-FFF2-40B4-BE49-F238E27FC236}">
+                <a16:creationId xmlns:a16="http://schemas.microsoft.com/office/drawing/2014/main" id="{03663115-058E-4F4D-B64F-2DC63AA27D52}"/>
+              </a:ext>
+            </a:extLst>
+          </p:cNvPr>
+          <p:cNvPicPr>
+            <a:picLocks noChangeAspect="1"/>
+          </p:cNvPicPr>
+          <p:nvPr/>
+        </p:nvPicPr>
+        <p:blipFill>
+          <a:blip r:embed="rId5"/>
+          <a:stretch>
+            <a:fillRect/>
+          </a:stretch>
+        </p:blipFill>
+        <p:spPr>
+          <a:xfrm>
+            <a:off x="1104458" y="5304814"/>
+            <a:ext cx="10245103" cy="1188061"/>
+          </a:xfrm>
+          <a:prstGeom prst="rect">
+            <a:avLst/>
+          </a:prstGeom>
+          <a:ln>
+            <a:noFill/>
+          </a:ln>
+          <a:effectLst>
+            <a:outerShdw blurRad="292100" dist="139700" dir="2700000" algn="tl" rotWithShape="0">
+              <a:srgbClr val="333333">
+                <a:alpha val="65000"/>
+              </a:srgbClr>
+            </a:outerShdw>
+          </a:effectLst>
+        </p:spPr>
+      </p:pic>
+    </p:spTree>
+    <p:extLst>
+      <p:ext uri="{BB962C8B-B14F-4D97-AF65-F5344CB8AC3E}">
+        <p14:creationId xmlns:p14="http://schemas.microsoft.com/office/powerpoint/2010/main" val="4158142822"/>
+      </p:ext>
+    </p:extLst>
+  </p:cSld>
+  <p:clrMapOvr>
+    <a:masterClrMapping/>
+  </p:clrMapOvr>
+</p:sld>
+</file>
+
+<file path=ppt/slides/slide11.xml><?xml version="1.0" encoding="utf-8"?>
+<p:sld xmlns:a="http://schemas.openxmlformats.org/drawingml/2006/main" xmlns:r="http://schemas.openxmlformats.org/officeDocument/2006/relationships" xmlns:p="http://schemas.openxmlformats.org/presentationml/2006/main">
+  <p:cSld>
+    <p:spTree>
+      <p:nvGrpSpPr>
+        <p:cNvPr id="1" name=""/>
+        <p:cNvGrpSpPr/>
+        <p:nvPr/>
+      </p:nvGrpSpPr>
+      <p:grpSpPr>
+        <a:xfrm>
+          <a:off x="0" y="0"/>
+          <a:ext cx="0" cy="0"/>
+          <a:chOff x="0" y="0"/>
+          <a:chExt cx="0" cy="0"/>
+        </a:xfrm>
+      </p:grpSpPr>
+      <p:sp>
+        <p:nvSpPr>
+          <p:cNvPr id="2" name="Title 1">
+            <a:extLst>
+              <a:ext uri="{FF2B5EF4-FFF2-40B4-BE49-F238E27FC236}">
+                <a16:creationId xmlns:a16="http://schemas.microsoft.com/office/drawing/2014/main" id="{078EF1BB-AFD2-4159-A52A-3DC689ABE7D4}"/>
+              </a:ext>
+            </a:extLst>
+          </p:cNvPr>
+          <p:cNvSpPr>
+            <a:spLocks noGrp="1"/>
+          </p:cNvSpPr>
+          <p:nvPr>
+            <p:ph type="title"/>
+          </p:nvPr>
+        </p:nvSpPr>
+        <p:spPr>
+          <a:xfrm>
+            <a:off x="838200" y="365125"/>
+            <a:ext cx="10515600" cy="897299"/>
+          </a:xfrm>
+        </p:spPr>
+        <p:txBody>
+          <a:bodyPr/>
+          <a:lstStyle/>
+          <a:p>
+            <a:r>
+              <a:rPr lang="en-US" dirty="0"/>
+              <a:t>Bag of n-Grams</a:t>
+            </a:r>
+            <a:endParaRPr lang="en-CA" dirty="0"/>
+          </a:p>
+        </p:txBody>
+      </p:sp>
+      <p:sp>
+        <p:nvSpPr>
+          <p:cNvPr id="14" name="TextBox 13">
+            <a:extLst>
+              <a:ext uri="{FF2B5EF4-FFF2-40B4-BE49-F238E27FC236}">
+                <a16:creationId xmlns:a16="http://schemas.microsoft.com/office/drawing/2014/main" id="{735E6CF1-49F3-464A-A221-E557EC64390C}"/>
+              </a:ext>
+            </a:extLst>
+          </p:cNvPr>
+          <p:cNvSpPr txBox="1"/>
+          <p:nvPr/>
+        </p:nvSpPr>
+        <p:spPr>
+          <a:xfrm flipH="1">
+            <a:off x="436792" y="1341761"/>
+            <a:ext cx="2574199" cy="369332"/>
+          </a:xfrm>
+          <a:prstGeom prst="rect">
+            <a:avLst/>
+          </a:prstGeom>
+          <a:noFill/>
+        </p:spPr>
+        <p:txBody>
+          <a:bodyPr wrap="square" rtlCol="0">
+            <a:spAutoFit/>
+          </a:bodyPr>
+          <a:lstStyle/>
+          <a:p>
+            <a:r>
+              <a:rPr lang="en-US" dirty="0"/>
+              <a:t>Feature Extraction</a:t>
+            </a:r>
+            <a:endParaRPr lang="en-CA" dirty="0"/>
+          </a:p>
+        </p:txBody>
+      </p:sp>
+      <p:sp>
+        <p:nvSpPr>
+          <p:cNvPr id="15" name="TextBox 14">
+            <a:extLst>
+              <a:ext uri="{FF2B5EF4-FFF2-40B4-BE49-F238E27FC236}">
+                <a16:creationId xmlns:a16="http://schemas.microsoft.com/office/drawing/2014/main" id="{BF8D6167-4BD4-4DA1-AFFA-ED4A1BFD605A}"/>
+              </a:ext>
+            </a:extLst>
+          </p:cNvPr>
+          <p:cNvSpPr txBox="1"/>
+          <p:nvPr/>
+        </p:nvSpPr>
+        <p:spPr>
+          <a:xfrm flipH="1">
+            <a:off x="6002593" y="1392561"/>
+            <a:ext cx="5615396" cy="369332"/>
+          </a:xfrm>
+          <a:prstGeom prst="rect">
+            <a:avLst/>
+          </a:prstGeom>
+          <a:noFill/>
+        </p:spPr>
+        <p:txBody>
+          <a:bodyPr wrap="square" rtlCol="0">
+            <a:spAutoFit/>
+          </a:bodyPr>
+          <a:lstStyle/>
+          <a:p>
+            <a:r>
+              <a:rPr lang="en-US" dirty="0"/>
+              <a:t>Feature Selection – Univariate with Chi</a:t>
+            </a:r>
+            <a:r>
+              <a:rPr lang="en-US" baseline="30000" dirty="0"/>
+              <a:t>2</a:t>
+            </a:r>
+            <a:endParaRPr lang="en-CA" baseline="30000" dirty="0"/>
+          </a:p>
+        </p:txBody>
+      </p:sp>
+      <p:sp>
+        <p:nvSpPr>
+          <p:cNvPr id="17" name="TextBox 16">
+            <a:extLst>
+              <a:ext uri="{FF2B5EF4-FFF2-40B4-BE49-F238E27FC236}">
+                <a16:creationId xmlns:a16="http://schemas.microsoft.com/office/drawing/2014/main" id="{63C0B7F1-A257-4F26-B5EE-8254021FA540}"/>
+              </a:ext>
+            </a:extLst>
+          </p:cNvPr>
+          <p:cNvSpPr txBox="1"/>
+          <p:nvPr/>
+        </p:nvSpPr>
+        <p:spPr>
+          <a:xfrm flipH="1">
+            <a:off x="1281184" y="4927698"/>
+            <a:ext cx="2574199" cy="369332"/>
+          </a:xfrm>
+          <a:prstGeom prst="rect">
+            <a:avLst/>
+          </a:prstGeom>
+          <a:noFill/>
+        </p:spPr>
+        <p:txBody>
+          <a:bodyPr wrap="square" rtlCol="0">
+            <a:spAutoFit/>
+          </a:bodyPr>
+          <a:lstStyle/>
+          <a:p>
+            <a:r>
+              <a:rPr lang="en-US" dirty="0"/>
+              <a:t>Benchmarking</a:t>
+            </a:r>
+            <a:endParaRPr lang="en-CA" dirty="0"/>
+          </a:p>
+        </p:txBody>
+      </p:sp>
+      <p:pic>
+        <p:nvPicPr>
+          <p:cNvPr id="3" name="Picture 2">
+            <a:extLst>
+              <a:ext uri="{FF2B5EF4-FFF2-40B4-BE49-F238E27FC236}">
+                <a16:creationId xmlns:a16="http://schemas.microsoft.com/office/drawing/2014/main" id="{DCDFBEF5-941F-4FDA-9187-27BE58CD3A0D}"/>
+              </a:ext>
+            </a:extLst>
+          </p:cNvPr>
+          <p:cNvPicPr>
+            <a:picLocks noChangeAspect="1"/>
+          </p:cNvPicPr>
+          <p:nvPr/>
+        </p:nvPicPr>
+        <p:blipFill>
+          <a:blip r:embed="rId3"/>
+          <a:stretch>
+            <a:fillRect/>
+          </a:stretch>
+        </p:blipFill>
+        <p:spPr>
+          <a:xfrm>
+            <a:off x="436792" y="1711093"/>
+            <a:ext cx="4871808" cy="2738501"/>
+          </a:xfrm>
+          <a:prstGeom prst="rect">
+            <a:avLst/>
+          </a:prstGeom>
+          <a:ln>
+            <a:noFill/>
+          </a:ln>
+          <a:effectLst>
+            <a:outerShdw blurRad="292100" dist="139700" dir="2700000" algn="tl" rotWithShape="0">
+              <a:srgbClr val="333333">
+                <a:alpha val="65000"/>
+              </a:srgbClr>
+            </a:outerShdw>
+          </a:effectLst>
+        </p:spPr>
+      </p:pic>
+      <p:pic>
+        <p:nvPicPr>
+          <p:cNvPr id="4" name="Picture 3">
+            <a:extLst>
+              <a:ext uri="{FF2B5EF4-FFF2-40B4-BE49-F238E27FC236}">
+                <a16:creationId xmlns:a16="http://schemas.microsoft.com/office/drawing/2014/main" id="{27BD3086-8D44-44C8-BFB5-5564D8B49E16}"/>
+              </a:ext>
+            </a:extLst>
+          </p:cNvPr>
+          <p:cNvPicPr>
+            <a:picLocks noChangeAspect="1"/>
+          </p:cNvPicPr>
+          <p:nvPr/>
+        </p:nvPicPr>
+        <p:blipFill>
+          <a:blip r:embed="rId4"/>
+          <a:stretch>
+            <a:fillRect/>
+          </a:stretch>
+        </p:blipFill>
+        <p:spPr>
+          <a:xfrm>
+            <a:off x="6049035" y="1736493"/>
+            <a:ext cx="5865474" cy="2594207"/>
+          </a:xfrm>
+          <a:prstGeom prst="rect">
+            <a:avLst/>
+          </a:prstGeom>
+          <a:ln>
+            <a:noFill/>
+          </a:ln>
+          <a:effectLst>
+            <a:outerShdw blurRad="292100" dist="139700" dir="2700000" algn="tl" rotWithShape="0">
+              <a:srgbClr val="333333">
+                <a:alpha val="65000"/>
+              </a:srgbClr>
+            </a:outerShdw>
+          </a:effectLst>
+        </p:spPr>
+      </p:pic>
+      <p:pic>
+        <p:nvPicPr>
+          <p:cNvPr id="5" name="Picture 4">
+            <a:extLst>
+              <a:ext uri="{FF2B5EF4-FFF2-40B4-BE49-F238E27FC236}">
+                <a16:creationId xmlns:a16="http://schemas.microsoft.com/office/drawing/2014/main" id="{AA01AD4F-93BA-4262-AEB1-F7A6155D9BD0}"/>
+              </a:ext>
+            </a:extLst>
+          </p:cNvPr>
+          <p:cNvPicPr>
+            <a:picLocks noChangeAspect="1"/>
+          </p:cNvPicPr>
+          <p:nvPr/>
+        </p:nvPicPr>
+        <p:blipFill>
+          <a:blip r:embed="rId5"/>
+          <a:stretch>
+            <a:fillRect/>
+          </a:stretch>
+        </p:blipFill>
+        <p:spPr>
+          <a:xfrm>
+            <a:off x="1281184" y="5297030"/>
+            <a:ext cx="9732631" cy="1078370"/>
+          </a:xfrm>
+          <a:prstGeom prst="rect">
+            <a:avLst/>
+          </a:prstGeom>
+          <a:ln>
+            <a:noFill/>
+          </a:ln>
+          <a:effectLst>
+            <a:outerShdw blurRad="292100" dist="139700" dir="2700000" algn="tl" rotWithShape="0">
+              <a:srgbClr val="333333">
+                <a:alpha val="65000"/>
+              </a:srgbClr>
+            </a:outerShdw>
+          </a:effectLst>
+        </p:spPr>
+      </p:pic>
+    </p:spTree>
+    <p:extLst>
+      <p:ext uri="{BB962C8B-B14F-4D97-AF65-F5344CB8AC3E}">
+        <p14:creationId xmlns:p14="http://schemas.microsoft.com/office/powerpoint/2010/main" val="904262988"/>
+      </p:ext>
+    </p:extLst>
+  </p:cSld>
+  <p:clrMapOvr>
+    <a:masterClrMapping/>
+  </p:clrMapOvr>
+</p:sld>
+</file>
+
+<file path=ppt/slides/slide12.xml><?xml version="1.0" encoding="utf-8"?>
+<p:sld xmlns:a="http://schemas.openxmlformats.org/drawingml/2006/main" xmlns:r="http://schemas.openxmlformats.org/officeDocument/2006/relationships" xmlns:p="http://schemas.openxmlformats.org/presentationml/2006/main">
+  <p:cSld>
+    <p:spTree>
+      <p:nvGrpSpPr>
+        <p:cNvPr id="1" name=""/>
+        <p:cNvGrpSpPr/>
+        <p:nvPr/>
+      </p:nvGrpSpPr>
+      <p:grpSpPr>
+        <a:xfrm>
+          <a:off x="0" y="0"/>
+          <a:ext cx="0" cy="0"/>
+          <a:chOff x="0" y="0"/>
+          <a:chExt cx="0" cy="0"/>
+        </a:xfrm>
+      </p:grpSpPr>
+      <p:sp>
+        <p:nvSpPr>
+          <p:cNvPr id="2" name="Title 1">
+            <a:extLst>
+              <a:ext uri="{FF2B5EF4-FFF2-40B4-BE49-F238E27FC236}">
+                <a16:creationId xmlns:a16="http://schemas.microsoft.com/office/drawing/2014/main" id="{078EF1BB-AFD2-4159-A52A-3DC689ABE7D4}"/>
+              </a:ext>
+            </a:extLst>
+          </p:cNvPr>
+          <p:cNvSpPr>
+            <a:spLocks noGrp="1"/>
+          </p:cNvSpPr>
+          <p:nvPr>
+            <p:ph type="title"/>
+          </p:nvPr>
+        </p:nvSpPr>
+        <p:spPr>
+          <a:xfrm>
+            <a:off x="838200" y="365125"/>
+            <a:ext cx="10515600" cy="975041"/>
+          </a:xfrm>
+        </p:spPr>
+        <p:txBody>
+          <a:bodyPr/>
+          <a:lstStyle/>
+          <a:p>
+            <a:r>
+              <a:rPr lang="en-US" dirty="0"/>
+              <a:t>PCA on Bag of Words</a:t>
+            </a:r>
+            <a:endParaRPr lang="en-CA" dirty="0"/>
+          </a:p>
+        </p:txBody>
+      </p:sp>
+      <p:sp>
+        <p:nvSpPr>
+          <p:cNvPr id="14" name="TextBox 13">
+            <a:extLst>
+              <a:ext uri="{FF2B5EF4-FFF2-40B4-BE49-F238E27FC236}">
+                <a16:creationId xmlns:a16="http://schemas.microsoft.com/office/drawing/2014/main" id="{735E6CF1-49F3-464A-A221-E557EC64390C}"/>
+              </a:ext>
+            </a:extLst>
+          </p:cNvPr>
+          <p:cNvSpPr txBox="1"/>
+          <p:nvPr/>
+        </p:nvSpPr>
+        <p:spPr>
+          <a:xfrm flipH="1">
+            <a:off x="436792" y="1341761"/>
+            <a:ext cx="2574199" cy="369332"/>
+          </a:xfrm>
+          <a:prstGeom prst="rect">
+            <a:avLst/>
+          </a:prstGeom>
+          <a:noFill/>
+        </p:spPr>
+        <p:txBody>
+          <a:bodyPr wrap="square" rtlCol="0">
+            <a:spAutoFit/>
+          </a:bodyPr>
+          <a:lstStyle/>
+          <a:p>
+            <a:r>
+              <a:rPr lang="en-US" dirty="0"/>
+              <a:t>Feature Extraction</a:t>
+            </a:r>
+            <a:endParaRPr lang="en-CA" dirty="0"/>
+          </a:p>
+        </p:txBody>
+      </p:sp>
+      <p:sp>
+        <p:nvSpPr>
+          <p:cNvPr id="15" name="TextBox 14">
+            <a:extLst>
+              <a:ext uri="{FF2B5EF4-FFF2-40B4-BE49-F238E27FC236}">
+                <a16:creationId xmlns:a16="http://schemas.microsoft.com/office/drawing/2014/main" id="{BF8D6167-4BD4-4DA1-AFFA-ED4A1BFD605A}"/>
+              </a:ext>
+            </a:extLst>
+          </p:cNvPr>
+          <p:cNvSpPr txBox="1"/>
+          <p:nvPr/>
+        </p:nvSpPr>
+        <p:spPr>
+          <a:xfrm flipH="1">
+            <a:off x="6325818" y="1341761"/>
             <a:ext cx="5637582" cy="369332"/>
           </a:xfrm>
           <a:prstGeom prst="rect">
@@ -9120,7 +9716,7 @@
         </p:nvSpPr>
         <p:spPr>
           <a:xfrm flipH="1">
-            <a:off x="1607563" y="5068332"/>
+            <a:off x="1171137" y="5295585"/>
             <a:ext cx="2574199" cy="369332"/>
           </a:xfrm>
           <a:prstGeom prst="rect">
@@ -9184,10 +9780,10 @@
       </p:pic>
       <p:pic>
         <p:nvPicPr>
-          <p:cNvPr id="3" name="Picture 2">
-            <a:extLst>
-              <a:ext uri="{FF2B5EF4-FFF2-40B4-BE49-F238E27FC236}">
-                <a16:creationId xmlns:a16="http://schemas.microsoft.com/office/drawing/2014/main" id="{82DE9024-A5C6-4D7D-B8A5-C9C3994FA526}"/>
+          <p:cNvPr id="5" name="Picture 4">
+            <a:extLst>
+              <a:ext uri="{FF2B5EF4-FFF2-40B4-BE49-F238E27FC236}">
+                <a16:creationId xmlns:a16="http://schemas.microsoft.com/office/drawing/2014/main" id="{9311004C-8778-4FB7-8EF8-6E3B7198E9BE}"/>
               </a:ext>
             </a:extLst>
           </p:cNvPr>
@@ -9204,8 +9800,8 @@
         </p:blipFill>
         <p:spPr>
           <a:xfrm>
-            <a:off x="6379847" y="1709498"/>
-            <a:ext cx="5430008" cy="2381814"/>
+            <a:off x="5871626" y="1653137"/>
+            <a:ext cx="6091774" cy="2694874"/>
           </a:xfrm>
           <a:prstGeom prst="rect">
             <a:avLst/>
@@ -9224,10 +9820,10 @@
       </p:pic>
       <p:pic>
         <p:nvPicPr>
-          <p:cNvPr id="4" name="Picture 3">
-            <a:extLst>
-              <a:ext uri="{FF2B5EF4-FFF2-40B4-BE49-F238E27FC236}">
-                <a16:creationId xmlns:a16="http://schemas.microsoft.com/office/drawing/2014/main" id="{B97CFF75-20B3-46D9-A92C-0446B7B34AFB}"/>
+          <p:cNvPr id="8" name="Picture 7">
+            <a:extLst>
+              <a:ext uri="{FF2B5EF4-FFF2-40B4-BE49-F238E27FC236}">
+                <a16:creationId xmlns:a16="http://schemas.microsoft.com/office/drawing/2014/main" id="{86202AB3-7C19-4391-9013-BC27D3013553}"/>
               </a:ext>
             </a:extLst>
           </p:cNvPr>
@@ -9244,8 +9840,8 @@
         </p:blipFill>
         <p:spPr>
           <a:xfrm>
-            <a:off x="1723891" y="5367009"/>
-            <a:ext cx="7841068" cy="1351909"/>
+            <a:off x="1171137" y="5664917"/>
+            <a:ext cx="9845992" cy="827958"/>
           </a:xfrm>
           <a:prstGeom prst="rect">
             <a:avLst/>
@@ -9275,7 +9871,7 @@
 </p:sld>
 </file>
 
-<file path=ppt/slides/slide11.xml><?xml version="1.0" encoding="utf-8"?>
+<file path=ppt/slides/slide13.xml><?xml version="1.0" encoding="utf-8"?>
 <p:sld xmlns:a="http://schemas.openxmlformats.org/drawingml/2006/main" xmlns:r="http://schemas.openxmlformats.org/officeDocument/2006/relationships" xmlns:p="http://schemas.openxmlformats.org/presentationml/2006/main">
   <p:cSld>
     <p:spTree>
@@ -9420,7 +10016,7 @@
         </p:nvSpPr>
         <p:spPr>
           <a:xfrm flipH="1">
-            <a:off x="1516652" y="5096340"/>
+            <a:off x="838200" y="5447411"/>
             <a:ext cx="5152415" cy="369332"/>
           </a:xfrm>
           <a:prstGeom prst="rect">
@@ -9444,10 +10040,10 @@
       </p:sp>
       <p:pic>
         <p:nvPicPr>
-          <p:cNvPr id="3" name="Picture 2">
-            <a:extLst>
-              <a:ext uri="{FF2B5EF4-FFF2-40B4-BE49-F238E27FC236}">
-                <a16:creationId xmlns:a16="http://schemas.microsoft.com/office/drawing/2014/main" id="{E21BD884-63C0-4DCF-8F86-05849EE1B80F}"/>
+          <p:cNvPr id="5" name="Picture 4">
+            <a:extLst>
+              <a:ext uri="{FF2B5EF4-FFF2-40B4-BE49-F238E27FC236}">
+                <a16:creationId xmlns:a16="http://schemas.microsoft.com/office/drawing/2014/main" id="{36BE578F-789B-4772-B04E-DF4E5D622B70}"/>
               </a:ext>
             </a:extLst>
           </p:cNvPr>
@@ -9464,8 +10060,8 @@
         </p:blipFill>
         <p:spPr>
           <a:xfrm>
-            <a:off x="436792" y="1761660"/>
-            <a:ext cx="4414608" cy="2997787"/>
+            <a:off x="436792" y="1643033"/>
+            <a:ext cx="4274196" cy="3233767"/>
           </a:xfrm>
           <a:prstGeom prst="rect">
             <a:avLst/>
@@ -9484,10 +10080,10 @@
       </p:pic>
       <p:pic>
         <p:nvPicPr>
-          <p:cNvPr id="4" name="Picture 3">
-            <a:extLst>
-              <a:ext uri="{FF2B5EF4-FFF2-40B4-BE49-F238E27FC236}">
-                <a16:creationId xmlns:a16="http://schemas.microsoft.com/office/drawing/2014/main" id="{FE424867-3C48-4C9E-97C1-94A77E57DB9D}"/>
+          <p:cNvPr id="6" name="Picture 5">
+            <a:extLst>
+              <a:ext uri="{FF2B5EF4-FFF2-40B4-BE49-F238E27FC236}">
+                <a16:creationId xmlns:a16="http://schemas.microsoft.com/office/drawing/2014/main" id="{A7E99351-3355-4C4F-9AAC-3A063C8F6882}"/>
               </a:ext>
             </a:extLst>
           </p:cNvPr>
@@ -9504,8 +10100,8 @@
         </p:blipFill>
         <p:spPr>
           <a:xfrm>
-            <a:off x="6434393" y="1761660"/>
-            <a:ext cx="5508007" cy="2442040"/>
+            <a:off x="5723989" y="1791721"/>
+            <a:ext cx="6347986" cy="2811701"/>
           </a:xfrm>
           <a:prstGeom prst="rect">
             <a:avLst/>
@@ -9524,10 +10120,10 @@
       </p:pic>
       <p:pic>
         <p:nvPicPr>
-          <p:cNvPr id="8" name="Picture 7">
-            <a:extLst>
-              <a:ext uri="{FF2B5EF4-FFF2-40B4-BE49-F238E27FC236}">
-                <a16:creationId xmlns:a16="http://schemas.microsoft.com/office/drawing/2014/main" id="{419C75C2-0120-4337-BEE5-30434C693937}"/>
+          <p:cNvPr id="7" name="Picture 6">
+            <a:extLst>
+              <a:ext uri="{FF2B5EF4-FFF2-40B4-BE49-F238E27FC236}">
+                <a16:creationId xmlns:a16="http://schemas.microsoft.com/office/drawing/2014/main" id="{493F8E45-69B8-4580-82AB-45E9629953BC}"/>
               </a:ext>
             </a:extLst>
           </p:cNvPr>
@@ -9544,8 +10140,8 @@
         </p:blipFill>
         <p:spPr>
           <a:xfrm>
-            <a:off x="1516652" y="5429786"/>
-            <a:ext cx="9158696" cy="1163728"/>
+            <a:off x="838200" y="5792516"/>
+            <a:ext cx="10652050" cy="770028"/>
           </a:xfrm>
           <a:prstGeom prst="rect">
             <a:avLst/>
@@ -9575,7 +10171,7 @@
 </p:sld>
 </file>
 
-<file path=ppt/slides/slide12.xml><?xml version="1.0" encoding="utf-8"?>
+<file path=ppt/slides/slide14.xml><?xml version="1.0" encoding="utf-8"?>
 <p:sld xmlns:a="http://schemas.openxmlformats.org/drawingml/2006/main" xmlns:r="http://schemas.openxmlformats.org/officeDocument/2006/relationships" xmlns:p="http://schemas.openxmlformats.org/presentationml/2006/main">
   <p:cSld>
     <p:spTree>
@@ -9671,7 +10267,7 @@
         </p:nvSpPr>
         <p:spPr>
           <a:xfrm flipH="1">
-            <a:off x="6434393" y="1392328"/>
+            <a:off x="6434393" y="1316198"/>
             <a:ext cx="5637582" cy="369332"/>
           </a:xfrm>
           <a:prstGeom prst="rect">
@@ -9711,7 +10307,7 @@
         </p:nvSpPr>
         <p:spPr>
           <a:xfrm flipH="1">
-            <a:off x="1935466" y="5084126"/>
+            <a:off x="1304054" y="5084126"/>
             <a:ext cx="2574199" cy="369332"/>
           </a:xfrm>
           <a:prstGeom prst="rect">
@@ -9735,10 +10331,10 @@
       </p:sp>
       <p:pic>
         <p:nvPicPr>
-          <p:cNvPr id="8" name="Picture 7">
-            <a:extLst>
-              <a:ext uri="{FF2B5EF4-FFF2-40B4-BE49-F238E27FC236}">
-                <a16:creationId xmlns:a16="http://schemas.microsoft.com/office/drawing/2014/main" id="{913D1360-3C8B-4528-97EB-05F691E90AD5}"/>
+          <p:cNvPr id="3" name="Picture 2">
+            <a:extLst>
+              <a:ext uri="{FF2B5EF4-FFF2-40B4-BE49-F238E27FC236}">
+                <a16:creationId xmlns:a16="http://schemas.microsoft.com/office/drawing/2014/main" id="{2F07C816-0409-460C-889B-9C246E046042}"/>
               </a:ext>
             </a:extLst>
           </p:cNvPr>
@@ -9755,8 +10351,8 @@
         </p:blipFill>
         <p:spPr>
           <a:xfrm>
-            <a:off x="6096001" y="1761661"/>
-            <a:ext cx="5865098" cy="2492840"/>
+            <a:off x="436793" y="1690688"/>
+            <a:ext cx="4643208" cy="3068939"/>
           </a:xfrm>
           <a:prstGeom prst="rect">
             <a:avLst/>
@@ -9775,10 +10371,10 @@
       </p:pic>
       <p:pic>
         <p:nvPicPr>
-          <p:cNvPr id="9" name="Picture 8">
-            <a:extLst>
-              <a:ext uri="{FF2B5EF4-FFF2-40B4-BE49-F238E27FC236}">
-                <a16:creationId xmlns:a16="http://schemas.microsoft.com/office/drawing/2014/main" id="{294327AB-EBD7-47AE-9A16-396CE8424576}"/>
+          <p:cNvPr id="4" name="Picture 3">
+            <a:extLst>
+              <a:ext uri="{FF2B5EF4-FFF2-40B4-BE49-F238E27FC236}">
+                <a16:creationId xmlns:a16="http://schemas.microsoft.com/office/drawing/2014/main" id="{50E4CA6B-29A7-4698-A63C-F9917897D50B}"/>
               </a:ext>
             </a:extLst>
           </p:cNvPr>
@@ -9795,8 +10391,8 @@
         </p:blipFill>
         <p:spPr>
           <a:xfrm>
-            <a:off x="1935466" y="5453458"/>
-            <a:ext cx="8321068" cy="1167610"/>
+            <a:off x="6134101" y="1690688"/>
+            <a:ext cx="5740399" cy="2582113"/>
           </a:xfrm>
           <a:prstGeom prst="rect">
             <a:avLst/>
@@ -9815,10 +10411,10 @@
       </p:pic>
       <p:pic>
         <p:nvPicPr>
-          <p:cNvPr id="11" name="Picture 10">
-            <a:extLst>
-              <a:ext uri="{FF2B5EF4-FFF2-40B4-BE49-F238E27FC236}">
-                <a16:creationId xmlns:a16="http://schemas.microsoft.com/office/drawing/2014/main" id="{A096E604-A879-4FC7-92D5-BA1CABD6B740}"/>
+          <p:cNvPr id="5" name="Picture 4">
+            <a:extLst>
+              <a:ext uri="{FF2B5EF4-FFF2-40B4-BE49-F238E27FC236}">
+                <a16:creationId xmlns:a16="http://schemas.microsoft.com/office/drawing/2014/main" id="{FB707B71-AD3C-4069-9126-E90B569C9361}"/>
               </a:ext>
             </a:extLst>
           </p:cNvPr>
@@ -9835,8 +10431,8 @@
         </p:blipFill>
         <p:spPr>
           <a:xfrm>
-            <a:off x="436792" y="1748960"/>
-            <a:ext cx="5020376" cy="2448267"/>
+            <a:off x="1304054" y="5453458"/>
+            <a:ext cx="8538445" cy="964223"/>
           </a:xfrm>
           <a:prstGeom prst="rect">
             <a:avLst/>
@@ -9866,7 +10462,7 @@
 </p:sld>
 </file>
 
-<file path=ppt/slides/slide13.xml><?xml version="1.0" encoding="utf-8"?>
+<file path=ppt/slides/slide15.xml><?xml version="1.0" encoding="utf-8"?>
 <p:sld xmlns:a="http://schemas.openxmlformats.org/drawingml/2006/main" xmlns:r="http://schemas.openxmlformats.org/officeDocument/2006/relationships" xmlns:p="http://schemas.openxmlformats.org/presentationml/2006/main">
   <p:cSld>
     <p:spTree>
@@ -9888,6 +10484,146 @@
           <p:cNvPr id="2" name="Title 1">
             <a:extLst>
               <a:ext uri="{FF2B5EF4-FFF2-40B4-BE49-F238E27FC236}">
+                <a16:creationId xmlns:a16="http://schemas.microsoft.com/office/drawing/2014/main" id="{6177018D-07F4-43C2-965C-BF45694591A3}"/>
+              </a:ext>
+            </a:extLst>
+          </p:cNvPr>
+          <p:cNvSpPr>
+            <a:spLocks noGrp="1"/>
+          </p:cNvSpPr>
+          <p:nvPr>
+            <p:ph type="title"/>
+          </p:nvPr>
+        </p:nvSpPr>
+        <p:spPr>
+          <a:xfrm>
+            <a:off x="749300" y="234951"/>
+            <a:ext cx="10515600" cy="777875"/>
+          </a:xfrm>
+        </p:spPr>
+        <p:txBody>
+          <a:bodyPr/>
+          <a:lstStyle/>
+          <a:p>
+            <a:r>
+              <a:rPr lang="en-US" dirty="0"/>
+              <a:t>Count Vectors</a:t>
+            </a:r>
+            <a:endParaRPr lang="en-CA" dirty="0"/>
+          </a:p>
+        </p:txBody>
+      </p:sp>
+      <p:pic>
+        <p:nvPicPr>
+          <p:cNvPr id="5" name="Content Placeholder 5">
+            <a:extLst>
+              <a:ext uri="{FF2B5EF4-FFF2-40B4-BE49-F238E27FC236}">
+                <a16:creationId xmlns:a16="http://schemas.microsoft.com/office/drawing/2014/main" id="{610DCFEE-1791-455D-905D-5759F377A8D7}"/>
+              </a:ext>
+            </a:extLst>
+          </p:cNvPr>
+          <p:cNvPicPr>
+            <a:picLocks noChangeAspect="1"/>
+          </p:cNvPicPr>
+          <p:nvPr/>
+        </p:nvPicPr>
+        <p:blipFill>
+          <a:blip r:embed="rId2"/>
+          <a:stretch>
+            <a:fillRect/>
+          </a:stretch>
+        </p:blipFill>
+        <p:spPr>
+          <a:xfrm>
+            <a:off x="2209800" y="1340453"/>
+            <a:ext cx="7772400" cy="5282596"/>
+          </a:xfrm>
+          <a:prstGeom prst="rect">
+            <a:avLst/>
+          </a:prstGeom>
+          <a:ln>
+            <a:noFill/>
+          </a:ln>
+          <a:effectLst>
+            <a:outerShdw blurRad="292100" dist="139700" dir="2700000" algn="tl" rotWithShape="0">
+              <a:srgbClr val="333333">
+                <a:alpha val="65000"/>
+              </a:srgbClr>
+            </a:outerShdw>
+          </a:effectLst>
+        </p:spPr>
+      </p:pic>
+      <p:sp>
+        <p:nvSpPr>
+          <p:cNvPr id="10" name="TextBox 9">
+            <a:extLst>
+              <a:ext uri="{FF2B5EF4-FFF2-40B4-BE49-F238E27FC236}">
+                <a16:creationId xmlns:a16="http://schemas.microsoft.com/office/drawing/2014/main" id="{FD960392-17F6-433E-AF70-38BA409A2893}"/>
+              </a:ext>
+            </a:extLst>
+          </p:cNvPr>
+          <p:cNvSpPr txBox="1"/>
+          <p:nvPr/>
+        </p:nvSpPr>
+        <p:spPr>
+          <a:xfrm flipH="1">
+            <a:off x="2209800" y="1012826"/>
+            <a:ext cx="4800600" cy="369332"/>
+          </a:xfrm>
+          <a:prstGeom prst="rect">
+            <a:avLst/>
+          </a:prstGeom>
+          <a:noFill/>
+        </p:spPr>
+        <p:txBody>
+          <a:bodyPr wrap="square" rtlCol="0">
+            <a:spAutoFit/>
+          </a:bodyPr>
+          <a:lstStyle/>
+          <a:p>
+            <a:r>
+              <a:rPr lang="en-US" dirty="0"/>
+              <a:t>Word Cloud visualization of count vectors </a:t>
+            </a:r>
+            <a:endParaRPr lang="en-CA" dirty="0"/>
+          </a:p>
+        </p:txBody>
+      </p:sp>
+    </p:spTree>
+    <p:extLst>
+      <p:ext uri="{BB962C8B-B14F-4D97-AF65-F5344CB8AC3E}">
+        <p14:creationId xmlns:p14="http://schemas.microsoft.com/office/powerpoint/2010/main" val="2834299446"/>
+      </p:ext>
+    </p:extLst>
+  </p:cSld>
+  <p:clrMapOvr>
+    <a:masterClrMapping/>
+  </p:clrMapOvr>
+</p:sld>
+</file>
+
+<file path=ppt/slides/slide16.xml><?xml version="1.0" encoding="utf-8"?>
+<p:sld xmlns:a="http://schemas.openxmlformats.org/drawingml/2006/main" xmlns:r="http://schemas.openxmlformats.org/officeDocument/2006/relationships" xmlns:p="http://schemas.openxmlformats.org/presentationml/2006/main">
+  <p:cSld>
+    <p:spTree>
+      <p:nvGrpSpPr>
+        <p:cNvPr id="1" name=""/>
+        <p:cNvGrpSpPr/>
+        <p:nvPr/>
+      </p:nvGrpSpPr>
+      <p:grpSpPr>
+        <a:xfrm>
+          <a:off x="0" y="0"/>
+          <a:ext cx="0" cy="0"/>
+          <a:chOff x="0" y="0"/>
+          <a:chExt cx="0" cy="0"/>
+        </a:xfrm>
+      </p:grpSpPr>
+      <p:sp>
+        <p:nvSpPr>
+          <p:cNvPr id="2" name="Title 1">
+            <a:extLst>
+              <a:ext uri="{FF2B5EF4-FFF2-40B4-BE49-F238E27FC236}">
                 <a16:creationId xmlns:a16="http://schemas.microsoft.com/office/drawing/2014/main" id="{078EF1BB-AFD2-4159-A52A-3DC689ABE7D4}"/>
               </a:ext>
             </a:extLst>
@@ -10002,7 +10738,7 @@
         </p:nvSpPr>
         <p:spPr>
           <a:xfrm flipH="1">
-            <a:off x="2313842" y="5116745"/>
+            <a:off x="1361370" y="5148503"/>
             <a:ext cx="2574199" cy="369332"/>
           </a:xfrm>
           <a:prstGeom prst="rect">
@@ -10026,10 +10762,10 @@
       </p:sp>
       <p:pic>
         <p:nvPicPr>
-          <p:cNvPr id="6" name="Picture 5">
-            <a:extLst>
-              <a:ext uri="{FF2B5EF4-FFF2-40B4-BE49-F238E27FC236}">
-                <a16:creationId xmlns:a16="http://schemas.microsoft.com/office/drawing/2014/main" id="{0B6BA49B-7457-4D3D-A1F7-DA98825F7449}"/>
+          <p:cNvPr id="3" name="Picture 2">
+            <a:extLst>
+              <a:ext uri="{FF2B5EF4-FFF2-40B4-BE49-F238E27FC236}">
+                <a16:creationId xmlns:a16="http://schemas.microsoft.com/office/drawing/2014/main" id="{4AFACAFF-2659-4C12-9C37-3CCB54C97A71}"/>
               </a:ext>
             </a:extLst>
           </p:cNvPr>
@@ -10046,8 +10782,8 @@
         </p:blipFill>
         <p:spPr>
           <a:xfrm>
-            <a:off x="436792" y="1711094"/>
-            <a:ext cx="4757508" cy="2992354"/>
+            <a:off x="436792" y="1709497"/>
+            <a:ext cx="4325708" cy="3109103"/>
           </a:xfrm>
           <a:prstGeom prst="rect">
             <a:avLst/>
@@ -10066,10 +10802,10 @@
       </p:pic>
       <p:pic>
         <p:nvPicPr>
-          <p:cNvPr id="7" name="Picture 6">
-            <a:extLst>
-              <a:ext uri="{FF2B5EF4-FFF2-40B4-BE49-F238E27FC236}">
-                <a16:creationId xmlns:a16="http://schemas.microsoft.com/office/drawing/2014/main" id="{414C86F0-179C-4EC2-A89C-C12763D8EA86}"/>
+          <p:cNvPr id="4" name="Picture 3">
+            <a:extLst>
+              <a:ext uri="{FF2B5EF4-FFF2-40B4-BE49-F238E27FC236}">
+                <a16:creationId xmlns:a16="http://schemas.microsoft.com/office/drawing/2014/main" id="{2D359D6B-26DB-4767-A63A-9DCE1B012514}"/>
               </a:ext>
             </a:extLst>
           </p:cNvPr>
@@ -10086,8 +10822,8 @@
         </p:blipFill>
         <p:spPr>
           <a:xfrm>
-            <a:off x="6434393" y="1709497"/>
-            <a:ext cx="5452807" cy="2436217"/>
+            <a:off x="5587473" y="1761660"/>
+            <a:ext cx="6375927" cy="2906199"/>
           </a:xfrm>
           <a:prstGeom prst="rect">
             <a:avLst/>
@@ -10106,10 +10842,10 @@
       </p:pic>
       <p:pic>
         <p:nvPicPr>
-          <p:cNvPr id="8" name="Picture 7">
-            <a:extLst>
-              <a:ext uri="{FF2B5EF4-FFF2-40B4-BE49-F238E27FC236}">
-                <a16:creationId xmlns:a16="http://schemas.microsoft.com/office/drawing/2014/main" id="{20FCDAB3-4FB7-4955-B4E9-948DB8BE4AEC}"/>
+          <p:cNvPr id="5" name="Picture 4">
+            <a:extLst>
+              <a:ext uri="{FF2B5EF4-FFF2-40B4-BE49-F238E27FC236}">
+                <a16:creationId xmlns:a16="http://schemas.microsoft.com/office/drawing/2014/main" id="{C237FBB8-E252-4D78-A0FA-75B452B517C1}"/>
               </a:ext>
             </a:extLst>
           </p:cNvPr>
@@ -10126,8 +10862,8 @@
         </p:blipFill>
         <p:spPr>
           <a:xfrm>
-            <a:off x="2313842" y="5465672"/>
-            <a:ext cx="8241101" cy="1134228"/>
+            <a:off x="1361370" y="5516239"/>
+            <a:ext cx="9469260" cy="1075417"/>
           </a:xfrm>
           <a:prstGeom prst="rect">
             <a:avLst/>
@@ -10157,7 +10893,7 @@
 </p:sld>
 </file>
 
-<file path=ppt/slides/slide14.xml><?xml version="1.0" encoding="utf-8"?>
+<file path=ppt/slides/slide17.xml><?xml version="1.0" encoding="utf-8"?>
 <p:sld xmlns:a="http://schemas.openxmlformats.org/drawingml/2006/main" xmlns:r="http://schemas.openxmlformats.org/officeDocument/2006/relationships" xmlns:p="http://schemas.openxmlformats.org/presentationml/2006/main">
   <p:cSld>
     <p:spTree>
@@ -10174,12 +10910,52 @@
           <a:chExt cx="0" cy="0"/>
         </a:xfrm>
       </p:grpSpPr>
+      <p:pic>
+        <p:nvPicPr>
+          <p:cNvPr id="13" name="Picture 12">
+            <a:extLst>
+              <a:ext uri="{FF2B5EF4-FFF2-40B4-BE49-F238E27FC236}">
+                <a16:creationId xmlns:a16="http://schemas.microsoft.com/office/drawing/2014/main" id="{EC8A35C7-F597-409D-B757-0AF6699DD5B1}"/>
+              </a:ext>
+            </a:extLst>
+          </p:cNvPr>
+          <p:cNvPicPr>
+            <a:picLocks noChangeAspect="1"/>
+          </p:cNvPicPr>
+          <p:nvPr/>
+        </p:nvPicPr>
+        <p:blipFill>
+          <a:blip r:embed="rId2"/>
+          <a:stretch>
+            <a:fillRect/>
+          </a:stretch>
+        </p:blipFill>
+        <p:spPr>
+          <a:xfrm>
+            <a:off x="4953000" y="1692679"/>
+            <a:ext cx="6786766" cy="4363933"/>
+          </a:xfrm>
+          <a:prstGeom prst="rect">
+            <a:avLst/>
+          </a:prstGeom>
+          <a:ln>
+            <a:noFill/>
+          </a:ln>
+          <a:effectLst>
+            <a:outerShdw blurRad="292100" dist="139700" dir="2700000" algn="tl" rotWithShape="0">
+              <a:srgbClr val="333333">
+                <a:alpha val="65000"/>
+              </a:srgbClr>
+            </a:outerShdw>
+          </a:effectLst>
+        </p:spPr>
+      </p:pic>
       <p:sp>
         <p:nvSpPr>
           <p:cNvPr id="2" name="Title 1">
             <a:extLst>
               <a:ext uri="{FF2B5EF4-FFF2-40B4-BE49-F238E27FC236}">
-                <a16:creationId xmlns:a16="http://schemas.microsoft.com/office/drawing/2014/main" id="{078EF1BB-AFD2-4159-A52A-3DC689ABE7D4}"/>
+                <a16:creationId xmlns:a16="http://schemas.microsoft.com/office/drawing/2014/main" id="{6177018D-07F4-43C2-965C-BF45694591A3}"/>
               </a:ext>
             </a:extLst>
           </p:cNvPr>
@@ -10190,130 +10966,19 @@
             <p:ph type="title"/>
           </p:nvPr>
         </p:nvSpPr>
-        <p:spPr/>
+        <p:spPr>
+          <a:xfrm>
+            <a:off x="749300" y="234951"/>
+            <a:ext cx="10515600" cy="777875"/>
+          </a:xfrm>
+        </p:spPr>
         <p:txBody>
           <a:bodyPr/>
           <a:lstStyle/>
           <a:p>
             <a:r>
               <a:rPr lang="en-US" dirty="0"/>
-              <a:t>Word2Vec from </a:t>
-            </a:r>
-            <a:r>
-              <a:rPr lang="en-US" dirty="0" err="1"/>
-              <a:t>FastText</a:t>
-            </a:r>
-            <a:endParaRPr lang="en-CA" dirty="0"/>
-          </a:p>
-        </p:txBody>
-      </p:sp>
-      <p:sp>
-        <p:nvSpPr>
-          <p:cNvPr id="14" name="TextBox 13">
-            <a:extLst>
-              <a:ext uri="{FF2B5EF4-FFF2-40B4-BE49-F238E27FC236}">
-                <a16:creationId xmlns:a16="http://schemas.microsoft.com/office/drawing/2014/main" id="{735E6CF1-49F3-464A-A221-E557EC64390C}"/>
-              </a:ext>
-            </a:extLst>
-          </p:cNvPr>
-          <p:cNvSpPr txBox="1"/>
-          <p:nvPr/>
-        </p:nvSpPr>
-        <p:spPr>
-          <a:xfrm flipH="1">
-            <a:off x="436792" y="1341761"/>
-            <a:ext cx="2574199" cy="369332"/>
-          </a:xfrm>
-          <a:prstGeom prst="rect">
-            <a:avLst/>
-          </a:prstGeom>
-          <a:noFill/>
-        </p:spPr>
-        <p:txBody>
-          <a:bodyPr wrap="square" rtlCol="0">
-            <a:spAutoFit/>
-          </a:bodyPr>
-          <a:lstStyle/>
-          <a:p>
-            <a:r>
-              <a:rPr lang="en-US" dirty="0"/>
-              <a:t>Feature Extraction</a:t>
-            </a:r>
-            <a:endParaRPr lang="en-CA" dirty="0"/>
-          </a:p>
-        </p:txBody>
-      </p:sp>
-      <p:sp>
-        <p:nvSpPr>
-          <p:cNvPr id="15" name="TextBox 14">
-            <a:extLst>
-              <a:ext uri="{FF2B5EF4-FFF2-40B4-BE49-F238E27FC236}">
-                <a16:creationId xmlns:a16="http://schemas.microsoft.com/office/drawing/2014/main" id="{BF8D6167-4BD4-4DA1-AFFA-ED4A1BFD605A}"/>
-              </a:ext>
-            </a:extLst>
-          </p:cNvPr>
-          <p:cNvSpPr txBox="1"/>
-          <p:nvPr/>
-        </p:nvSpPr>
-        <p:spPr>
-          <a:xfrm flipH="1">
-            <a:off x="6434393" y="1321356"/>
-            <a:ext cx="5599952" cy="369332"/>
-          </a:xfrm>
-          <a:prstGeom prst="rect">
-            <a:avLst/>
-          </a:prstGeom>
-          <a:noFill/>
-        </p:spPr>
-        <p:txBody>
-          <a:bodyPr wrap="square" rtlCol="0">
-            <a:spAutoFit/>
-          </a:bodyPr>
-          <a:lstStyle/>
-          <a:p>
-            <a:r>
-              <a:rPr lang="en-US" dirty="0"/>
-              <a:t>Feature Selection – Univariate with Chi</a:t>
-            </a:r>
-            <a:r>
-              <a:rPr lang="en-US" baseline="30000" dirty="0"/>
-              <a:t>2</a:t>
-            </a:r>
-            <a:endParaRPr lang="en-CA" baseline="30000" dirty="0"/>
-          </a:p>
-        </p:txBody>
-      </p:sp>
-      <p:sp>
-        <p:nvSpPr>
-          <p:cNvPr id="16" name="TextBox 15">
-            <a:extLst>
-              <a:ext uri="{FF2B5EF4-FFF2-40B4-BE49-F238E27FC236}">
-                <a16:creationId xmlns:a16="http://schemas.microsoft.com/office/drawing/2014/main" id="{DFAB541D-0AD9-4E5C-92A8-22735DDAF8E3}"/>
-              </a:ext>
-            </a:extLst>
-          </p:cNvPr>
-          <p:cNvSpPr txBox="1"/>
-          <p:nvPr/>
-        </p:nvSpPr>
-        <p:spPr>
-          <a:xfrm flipH="1">
-            <a:off x="1208995" y="4982646"/>
-            <a:ext cx="2574199" cy="369332"/>
-          </a:xfrm>
-          <a:prstGeom prst="rect">
-            <a:avLst/>
-          </a:prstGeom>
-          <a:noFill/>
-        </p:spPr>
-        <p:txBody>
-          <a:bodyPr wrap="square" rtlCol="0">
-            <a:spAutoFit/>
-          </a:bodyPr>
-          <a:lstStyle/>
-          <a:p>
-            <a:r>
-              <a:rPr lang="en-US" dirty="0"/>
-              <a:t>Benchmarking</a:t>
+              <a:t>Word2Vec – Word Embeddings</a:t>
             </a:r>
             <a:endParaRPr lang="en-CA" dirty="0"/>
           </a:p>
@@ -10321,10 +10986,10 @@
       </p:sp>
       <p:pic>
         <p:nvPicPr>
-          <p:cNvPr id="6" name="Picture 5">
-            <a:extLst>
-              <a:ext uri="{FF2B5EF4-FFF2-40B4-BE49-F238E27FC236}">
-                <a16:creationId xmlns:a16="http://schemas.microsoft.com/office/drawing/2014/main" id="{DDD7A1DA-E6D1-45D4-9ADF-0EE2B1B0C18A}"/>
+          <p:cNvPr id="10" name="Picture 9">
+            <a:extLst>
+              <a:ext uri="{FF2B5EF4-FFF2-40B4-BE49-F238E27FC236}">
+                <a16:creationId xmlns:a16="http://schemas.microsoft.com/office/drawing/2014/main" id="{3C9F22C8-BFB4-48E9-8F42-9EA614A1D598}"/>
               </a:ext>
             </a:extLst>
           </p:cNvPr>
@@ -10341,8 +11006,295 @@
         </p:blipFill>
         <p:spPr>
           <a:xfrm>
-            <a:off x="436793" y="1690688"/>
-            <a:ext cx="5125808" cy="3131435"/>
+            <a:off x="287133" y="1658158"/>
+            <a:ext cx="4424567" cy="926611"/>
+          </a:xfrm>
+          <a:prstGeom prst="rect">
+            <a:avLst/>
+          </a:prstGeom>
+          <a:ln>
+            <a:noFill/>
+          </a:ln>
+          <a:effectLst>
+            <a:outerShdw blurRad="292100" dist="139700" dir="2700000" algn="tl" rotWithShape="0">
+              <a:srgbClr val="333333">
+                <a:alpha val="65000"/>
+              </a:srgbClr>
+            </a:outerShdw>
+          </a:effectLst>
+        </p:spPr>
+      </p:pic>
+      <p:sp>
+        <p:nvSpPr>
+          <p:cNvPr id="14" name="TextBox 13">
+            <a:extLst>
+              <a:ext uri="{FF2B5EF4-FFF2-40B4-BE49-F238E27FC236}">
+                <a16:creationId xmlns:a16="http://schemas.microsoft.com/office/drawing/2014/main" id="{75DD64AF-0DC1-4DAE-A4EF-A55A64D5DB14}"/>
+              </a:ext>
+            </a:extLst>
+          </p:cNvPr>
+          <p:cNvSpPr txBox="1"/>
+          <p:nvPr/>
+        </p:nvSpPr>
+        <p:spPr>
+          <a:xfrm flipH="1">
+            <a:off x="287133" y="1288826"/>
+            <a:ext cx="2574199" cy="369332"/>
+          </a:xfrm>
+          <a:prstGeom prst="rect">
+            <a:avLst/>
+          </a:prstGeom>
+          <a:noFill/>
+        </p:spPr>
+        <p:txBody>
+          <a:bodyPr wrap="square" rtlCol="0">
+            <a:spAutoFit/>
+          </a:bodyPr>
+          <a:lstStyle/>
+          <a:p>
+            <a:r>
+              <a:rPr lang="en-US" dirty="0"/>
+              <a:t>Word Embeddings</a:t>
+            </a:r>
+            <a:endParaRPr lang="en-CA" dirty="0"/>
+          </a:p>
+        </p:txBody>
+      </p:sp>
+      <p:sp>
+        <p:nvSpPr>
+          <p:cNvPr id="15" name="TextBox 14">
+            <a:extLst>
+              <a:ext uri="{FF2B5EF4-FFF2-40B4-BE49-F238E27FC236}">
+                <a16:creationId xmlns:a16="http://schemas.microsoft.com/office/drawing/2014/main" id="{92864B81-F11C-4468-8C5B-0452C9633F65}"/>
+              </a:ext>
+            </a:extLst>
+          </p:cNvPr>
+          <p:cNvSpPr txBox="1"/>
+          <p:nvPr/>
+        </p:nvSpPr>
+        <p:spPr>
+          <a:xfrm flipH="1">
+            <a:off x="4953000" y="1288826"/>
+            <a:ext cx="3556000" cy="369332"/>
+          </a:xfrm>
+          <a:prstGeom prst="rect">
+            <a:avLst/>
+          </a:prstGeom>
+          <a:noFill/>
+        </p:spPr>
+        <p:txBody>
+          <a:bodyPr wrap="square" rtlCol="0">
+            <a:spAutoFit/>
+          </a:bodyPr>
+          <a:lstStyle/>
+          <a:p>
+            <a:r>
+              <a:rPr lang="en-US" dirty="0"/>
+              <a:t>Visualization of Word Embeddings</a:t>
+            </a:r>
+            <a:endParaRPr lang="en-CA" dirty="0"/>
+          </a:p>
+        </p:txBody>
+      </p:sp>
+    </p:spTree>
+    <p:extLst>
+      <p:ext uri="{BB962C8B-B14F-4D97-AF65-F5344CB8AC3E}">
+        <p14:creationId xmlns:p14="http://schemas.microsoft.com/office/powerpoint/2010/main" val="3657111018"/>
+      </p:ext>
+    </p:extLst>
+  </p:cSld>
+  <p:clrMapOvr>
+    <a:masterClrMapping/>
+  </p:clrMapOvr>
+</p:sld>
+</file>
+
+<file path=ppt/slides/slide18.xml><?xml version="1.0" encoding="utf-8"?>
+<p:sld xmlns:a="http://schemas.openxmlformats.org/drawingml/2006/main" xmlns:r="http://schemas.openxmlformats.org/officeDocument/2006/relationships" xmlns:p="http://schemas.openxmlformats.org/presentationml/2006/main">
+  <p:cSld>
+    <p:spTree>
+      <p:nvGrpSpPr>
+        <p:cNvPr id="1" name=""/>
+        <p:cNvGrpSpPr/>
+        <p:nvPr/>
+      </p:nvGrpSpPr>
+      <p:grpSpPr>
+        <a:xfrm>
+          <a:off x="0" y="0"/>
+          <a:ext cx="0" cy="0"/>
+          <a:chOff x="0" y="0"/>
+          <a:chExt cx="0" cy="0"/>
+        </a:xfrm>
+      </p:grpSpPr>
+      <p:sp>
+        <p:nvSpPr>
+          <p:cNvPr id="2" name="Title 1">
+            <a:extLst>
+              <a:ext uri="{FF2B5EF4-FFF2-40B4-BE49-F238E27FC236}">
+                <a16:creationId xmlns:a16="http://schemas.microsoft.com/office/drawing/2014/main" id="{078EF1BB-AFD2-4159-A52A-3DC689ABE7D4}"/>
+              </a:ext>
+            </a:extLst>
+          </p:cNvPr>
+          <p:cNvSpPr>
+            <a:spLocks noGrp="1"/>
+          </p:cNvSpPr>
+          <p:nvPr>
+            <p:ph type="title"/>
+          </p:nvPr>
+        </p:nvSpPr>
+        <p:spPr/>
+        <p:txBody>
+          <a:bodyPr/>
+          <a:lstStyle/>
+          <a:p>
+            <a:r>
+              <a:rPr lang="en-US" dirty="0"/>
+              <a:t>Word2Vec from </a:t>
+            </a:r>
+            <a:r>
+              <a:rPr lang="en-US" dirty="0" err="1"/>
+              <a:t>FastText</a:t>
+            </a:r>
+            <a:endParaRPr lang="en-CA" dirty="0"/>
+          </a:p>
+        </p:txBody>
+      </p:sp>
+      <p:sp>
+        <p:nvSpPr>
+          <p:cNvPr id="14" name="TextBox 13">
+            <a:extLst>
+              <a:ext uri="{FF2B5EF4-FFF2-40B4-BE49-F238E27FC236}">
+                <a16:creationId xmlns:a16="http://schemas.microsoft.com/office/drawing/2014/main" id="{735E6CF1-49F3-464A-A221-E557EC64390C}"/>
+              </a:ext>
+            </a:extLst>
+          </p:cNvPr>
+          <p:cNvSpPr txBox="1"/>
+          <p:nvPr/>
+        </p:nvSpPr>
+        <p:spPr>
+          <a:xfrm flipH="1">
+            <a:off x="436792" y="1341761"/>
+            <a:ext cx="2574199" cy="369332"/>
+          </a:xfrm>
+          <a:prstGeom prst="rect">
+            <a:avLst/>
+          </a:prstGeom>
+          <a:noFill/>
+        </p:spPr>
+        <p:txBody>
+          <a:bodyPr wrap="square" rtlCol="0">
+            <a:spAutoFit/>
+          </a:bodyPr>
+          <a:lstStyle/>
+          <a:p>
+            <a:r>
+              <a:rPr lang="en-US" dirty="0"/>
+              <a:t>Feature Extraction</a:t>
+            </a:r>
+            <a:endParaRPr lang="en-CA" dirty="0"/>
+          </a:p>
+        </p:txBody>
+      </p:sp>
+      <p:sp>
+        <p:nvSpPr>
+          <p:cNvPr id="15" name="TextBox 14">
+            <a:extLst>
+              <a:ext uri="{FF2B5EF4-FFF2-40B4-BE49-F238E27FC236}">
+                <a16:creationId xmlns:a16="http://schemas.microsoft.com/office/drawing/2014/main" id="{BF8D6167-4BD4-4DA1-AFFA-ED4A1BFD605A}"/>
+              </a:ext>
+            </a:extLst>
+          </p:cNvPr>
+          <p:cNvSpPr txBox="1"/>
+          <p:nvPr/>
+        </p:nvSpPr>
+        <p:spPr>
+          <a:xfrm flipH="1">
+            <a:off x="6434393" y="1321356"/>
+            <a:ext cx="5599952" cy="369332"/>
+          </a:xfrm>
+          <a:prstGeom prst="rect">
+            <a:avLst/>
+          </a:prstGeom>
+          <a:noFill/>
+        </p:spPr>
+        <p:txBody>
+          <a:bodyPr wrap="square" rtlCol="0">
+            <a:spAutoFit/>
+          </a:bodyPr>
+          <a:lstStyle/>
+          <a:p>
+            <a:r>
+              <a:rPr lang="en-US" dirty="0"/>
+              <a:t>Feature Selection – Univariate with Chi</a:t>
+            </a:r>
+            <a:r>
+              <a:rPr lang="en-US" baseline="30000" dirty="0"/>
+              <a:t>2</a:t>
+            </a:r>
+            <a:endParaRPr lang="en-CA" baseline="30000" dirty="0"/>
+          </a:p>
+        </p:txBody>
+      </p:sp>
+      <p:sp>
+        <p:nvSpPr>
+          <p:cNvPr id="16" name="TextBox 15">
+            <a:extLst>
+              <a:ext uri="{FF2B5EF4-FFF2-40B4-BE49-F238E27FC236}">
+                <a16:creationId xmlns:a16="http://schemas.microsoft.com/office/drawing/2014/main" id="{DFAB541D-0AD9-4E5C-92A8-22735DDAF8E3}"/>
+              </a:ext>
+            </a:extLst>
+          </p:cNvPr>
+          <p:cNvSpPr txBox="1"/>
+          <p:nvPr/>
+        </p:nvSpPr>
+        <p:spPr>
+          <a:xfrm flipH="1">
+            <a:off x="973144" y="5146907"/>
+            <a:ext cx="2574199" cy="369332"/>
+          </a:xfrm>
+          <a:prstGeom prst="rect">
+            <a:avLst/>
+          </a:prstGeom>
+          <a:noFill/>
+        </p:spPr>
+        <p:txBody>
+          <a:bodyPr wrap="square" rtlCol="0">
+            <a:spAutoFit/>
+          </a:bodyPr>
+          <a:lstStyle/>
+          <a:p>
+            <a:r>
+              <a:rPr lang="en-US" dirty="0"/>
+              <a:t>Benchmarking</a:t>
+            </a:r>
+            <a:endParaRPr lang="en-CA" dirty="0"/>
+          </a:p>
+        </p:txBody>
+      </p:sp>
+      <p:pic>
+        <p:nvPicPr>
+          <p:cNvPr id="3" name="Picture 2">
+            <a:extLst>
+              <a:ext uri="{FF2B5EF4-FFF2-40B4-BE49-F238E27FC236}">
+                <a16:creationId xmlns:a16="http://schemas.microsoft.com/office/drawing/2014/main" id="{7FD89EFC-1DC2-4998-875B-5BAAB66E5F5A}"/>
+              </a:ext>
+            </a:extLst>
+          </p:cNvPr>
+          <p:cNvPicPr>
+            <a:picLocks noChangeAspect="1"/>
+          </p:cNvPicPr>
+          <p:nvPr/>
+        </p:nvPicPr>
+        <p:blipFill>
+          <a:blip r:embed="rId3"/>
+          <a:stretch>
+            <a:fillRect/>
+          </a:stretch>
+        </p:blipFill>
+        <p:spPr>
+          <a:xfrm>
+            <a:off x="436792" y="1684525"/>
+            <a:ext cx="4109808" cy="2994411"/>
           </a:xfrm>
           <a:prstGeom prst="rect">
             <a:avLst/>
@@ -10361,10 +11313,10 @@
       </p:pic>
       <p:pic>
         <p:nvPicPr>
-          <p:cNvPr id="7" name="Picture 6">
-            <a:extLst>
-              <a:ext uri="{FF2B5EF4-FFF2-40B4-BE49-F238E27FC236}">
-                <a16:creationId xmlns:a16="http://schemas.microsoft.com/office/drawing/2014/main" id="{1D6A091A-C6EA-40C3-8859-8A3F5A804EF1}"/>
+          <p:cNvPr id="4" name="Picture 3">
+            <a:extLst>
+              <a:ext uri="{FF2B5EF4-FFF2-40B4-BE49-F238E27FC236}">
+                <a16:creationId xmlns:a16="http://schemas.microsoft.com/office/drawing/2014/main" id="{AADF52F9-A244-4A8C-AEA4-E70BA33396C7}"/>
               </a:ext>
             </a:extLst>
           </p:cNvPr>
@@ -10381,8 +11333,8 @@
         </p:blipFill>
         <p:spPr>
           <a:xfrm>
-            <a:off x="6434393" y="1690689"/>
-            <a:ext cx="5455654" cy="2411412"/>
+            <a:off x="5757609" y="1684525"/>
+            <a:ext cx="6180392" cy="2855449"/>
           </a:xfrm>
           <a:prstGeom prst="rect">
             <a:avLst/>
@@ -10401,10 +11353,10 @@
       </p:pic>
       <p:pic>
         <p:nvPicPr>
-          <p:cNvPr id="8" name="Picture 7">
-            <a:extLst>
-              <a:ext uri="{FF2B5EF4-FFF2-40B4-BE49-F238E27FC236}">
-                <a16:creationId xmlns:a16="http://schemas.microsoft.com/office/drawing/2014/main" id="{C3969B54-5487-4ABC-AE9F-619C00840319}"/>
+          <p:cNvPr id="5" name="Picture 4">
+            <a:extLst>
+              <a:ext uri="{FF2B5EF4-FFF2-40B4-BE49-F238E27FC236}">
+                <a16:creationId xmlns:a16="http://schemas.microsoft.com/office/drawing/2014/main" id="{69EE2FA9-79A5-4797-A71A-34E109D465BE}"/>
               </a:ext>
             </a:extLst>
           </p:cNvPr>
@@ -10421,8 +11373,8 @@
         </p:blipFill>
         <p:spPr>
           <a:xfrm>
-            <a:off x="1208995" y="5351978"/>
-            <a:ext cx="9774009" cy="1162480"/>
+            <a:off x="973144" y="5475279"/>
+            <a:ext cx="10380656" cy="1046113"/>
           </a:xfrm>
           <a:prstGeom prst="rect">
             <a:avLst/>
@@ -10452,7 +11404,7 @@
 </p:sld>
 </file>
 
-<file path=ppt/slides/slide15.xml><?xml version="1.0" encoding="utf-8"?>
+<file path=ppt/slides/slide19.xml><?xml version="1.0" encoding="utf-8"?>
 <p:sld xmlns:a="http://schemas.openxmlformats.org/drawingml/2006/main" xmlns:r="http://schemas.openxmlformats.org/officeDocument/2006/relationships" xmlns:p="http://schemas.openxmlformats.org/presentationml/2006/main">
   <p:cSld>
     <p:spTree>
@@ -10469,117 +11421,12 @@
           <a:chExt cx="0" cy="0"/>
         </a:xfrm>
       </p:grpSpPr>
-      <p:sp>
-        <p:nvSpPr>
-          <p:cNvPr id="2" name="Title 1">
-            <a:extLst>
-              <a:ext uri="{FF2B5EF4-FFF2-40B4-BE49-F238E27FC236}">
-                <a16:creationId xmlns:a16="http://schemas.microsoft.com/office/drawing/2014/main" id="{078EF1BB-AFD2-4159-A52A-3DC689ABE7D4}"/>
-              </a:ext>
-            </a:extLst>
-          </p:cNvPr>
-          <p:cNvSpPr>
-            <a:spLocks noGrp="1"/>
-          </p:cNvSpPr>
-          <p:nvPr>
-            <p:ph type="title"/>
-          </p:nvPr>
-        </p:nvSpPr>
-        <p:spPr/>
-        <p:txBody>
-          <a:bodyPr/>
-          <a:lstStyle/>
-          <a:p>
-            <a:r>
-              <a:rPr lang="en-US" dirty="0"/>
-              <a:t>Glove from FLAIR</a:t>
-            </a:r>
-            <a:endParaRPr lang="en-CA" dirty="0"/>
-          </a:p>
-        </p:txBody>
-      </p:sp>
-      <p:sp>
-        <p:nvSpPr>
-          <p:cNvPr id="14" name="TextBox 13">
-            <a:extLst>
-              <a:ext uri="{FF2B5EF4-FFF2-40B4-BE49-F238E27FC236}">
-                <a16:creationId xmlns:a16="http://schemas.microsoft.com/office/drawing/2014/main" id="{735E6CF1-49F3-464A-A221-E557EC64390C}"/>
-              </a:ext>
-            </a:extLst>
-          </p:cNvPr>
-          <p:cNvSpPr txBox="1"/>
-          <p:nvPr/>
-        </p:nvSpPr>
-        <p:spPr>
-          <a:xfrm flipH="1">
-            <a:off x="436792" y="1341761"/>
-            <a:ext cx="2574199" cy="369332"/>
-          </a:xfrm>
-          <a:prstGeom prst="rect">
-            <a:avLst/>
-          </a:prstGeom>
-          <a:noFill/>
-        </p:spPr>
-        <p:txBody>
-          <a:bodyPr wrap="square" rtlCol="0">
-            <a:spAutoFit/>
-          </a:bodyPr>
-          <a:lstStyle/>
-          <a:p>
-            <a:r>
-              <a:rPr lang="en-US" dirty="0"/>
-              <a:t>Feature Extraction</a:t>
-            </a:r>
-            <a:endParaRPr lang="en-CA" dirty="0"/>
-          </a:p>
-        </p:txBody>
-      </p:sp>
-      <p:sp>
-        <p:nvSpPr>
-          <p:cNvPr id="15" name="TextBox 14">
-            <a:extLst>
-              <a:ext uri="{FF2B5EF4-FFF2-40B4-BE49-F238E27FC236}">
-                <a16:creationId xmlns:a16="http://schemas.microsoft.com/office/drawing/2014/main" id="{BF8D6167-4BD4-4DA1-AFFA-ED4A1BFD605A}"/>
-              </a:ext>
-            </a:extLst>
-          </p:cNvPr>
-          <p:cNvSpPr txBox="1"/>
-          <p:nvPr/>
-        </p:nvSpPr>
-        <p:spPr>
-          <a:xfrm flipH="1">
-            <a:off x="6434392" y="1321356"/>
-            <a:ext cx="5637582" cy="369332"/>
-          </a:xfrm>
-          <a:prstGeom prst="rect">
-            <a:avLst/>
-          </a:prstGeom>
-          <a:noFill/>
-        </p:spPr>
-        <p:txBody>
-          <a:bodyPr wrap="square" rtlCol="0">
-            <a:spAutoFit/>
-          </a:bodyPr>
-          <a:lstStyle/>
-          <a:p>
-            <a:r>
-              <a:rPr lang="en-US" dirty="0"/>
-              <a:t>Feature Selection – Univariate with Chi</a:t>
-            </a:r>
-            <a:r>
-              <a:rPr lang="en-US" baseline="30000" dirty="0"/>
-              <a:t>2</a:t>
-            </a:r>
-            <a:endParaRPr lang="en-CA" baseline="30000" dirty="0"/>
-          </a:p>
-        </p:txBody>
-      </p:sp>
       <p:pic>
         <p:nvPicPr>
-          <p:cNvPr id="5" name="Picture 4">
-            <a:extLst>
-              <a:ext uri="{FF2B5EF4-FFF2-40B4-BE49-F238E27FC236}">
-                <a16:creationId xmlns:a16="http://schemas.microsoft.com/office/drawing/2014/main" id="{61B047C1-32CC-41B2-A021-64400DF5FC54}"/>
+          <p:cNvPr id="11" name="Picture 10">
+            <a:extLst>
+              <a:ext uri="{FF2B5EF4-FFF2-40B4-BE49-F238E27FC236}">
+                <a16:creationId xmlns:a16="http://schemas.microsoft.com/office/drawing/2014/main" id="{A37C1FC8-4FC1-465C-97E9-5A7F566DE034}"/>
               </a:ext>
             </a:extLst>
           </p:cNvPr>
@@ -10589,15 +11436,15 @@
           <p:nvPr/>
         </p:nvPicPr>
         <p:blipFill>
-          <a:blip r:embed="rId3"/>
+          <a:blip r:embed="rId2"/>
           <a:stretch>
             <a:fillRect/>
           </a:stretch>
         </p:blipFill>
         <p:spPr>
           <a:xfrm>
-            <a:off x="436792" y="1711093"/>
-            <a:ext cx="5049608" cy="3110920"/>
+            <a:off x="5118100" y="1495426"/>
+            <a:ext cx="6591300" cy="5042345"/>
           </a:xfrm>
           <a:prstGeom prst="rect">
             <a:avLst/>
@@ -10614,12 +11461,50 @@
           </a:effectLst>
         </p:spPr>
       </p:pic>
+      <p:sp>
+        <p:nvSpPr>
+          <p:cNvPr id="2" name="Title 1">
+            <a:extLst>
+              <a:ext uri="{FF2B5EF4-FFF2-40B4-BE49-F238E27FC236}">
+                <a16:creationId xmlns:a16="http://schemas.microsoft.com/office/drawing/2014/main" id="{6177018D-07F4-43C2-965C-BF45694591A3}"/>
+              </a:ext>
+            </a:extLst>
+          </p:cNvPr>
+          <p:cNvSpPr>
+            <a:spLocks noGrp="1"/>
+          </p:cNvSpPr>
+          <p:nvPr>
+            <p:ph type="title"/>
+          </p:nvPr>
+        </p:nvSpPr>
+        <p:spPr>
+          <a:xfrm>
+            <a:off x="749300" y="234951"/>
+            <a:ext cx="10515600" cy="777875"/>
+          </a:xfrm>
+        </p:spPr>
+        <p:txBody>
+          <a:bodyPr/>
+          <a:lstStyle/>
+          <a:p>
+            <a:r>
+              <a:rPr lang="en-US" dirty="0"/>
+              <a:t>Word2Vec – </a:t>
+            </a:r>
+            <a:r>
+              <a:rPr lang="en-US" dirty="0" err="1"/>
+              <a:t>FastText</a:t>
+            </a:r>
+            <a:endParaRPr lang="en-CA" dirty="0"/>
+          </a:p>
+        </p:txBody>
+      </p:sp>
       <p:pic>
         <p:nvPicPr>
-          <p:cNvPr id="6" name="Picture 5">
-            <a:extLst>
-              <a:ext uri="{FF2B5EF4-FFF2-40B4-BE49-F238E27FC236}">
-                <a16:creationId xmlns:a16="http://schemas.microsoft.com/office/drawing/2014/main" id="{6F0B15B9-74B4-4338-AFFE-98DE555A60A5}"/>
+          <p:cNvPr id="10" name="Picture 9">
+            <a:extLst>
+              <a:ext uri="{FF2B5EF4-FFF2-40B4-BE49-F238E27FC236}">
+                <a16:creationId xmlns:a16="http://schemas.microsoft.com/office/drawing/2014/main" id="{2718B8A0-5CD9-4DDF-9E76-D80C452747E5}"/>
               </a:ext>
             </a:extLst>
           </p:cNvPr>
@@ -10629,15 +11514,15 @@
           <p:nvPr/>
         </p:nvPicPr>
         <p:blipFill>
-          <a:blip r:embed="rId4"/>
+          <a:blip r:embed="rId3"/>
           <a:stretch>
             <a:fillRect/>
           </a:stretch>
         </p:blipFill>
         <p:spPr>
           <a:xfrm>
-            <a:off x="6434392" y="1685681"/>
-            <a:ext cx="5448726" cy="2505319"/>
+            <a:off x="203200" y="1495426"/>
+            <a:ext cx="4470400" cy="1274892"/>
           </a:xfrm>
           <a:prstGeom prst="rect">
             <a:avLst/>
@@ -10654,6 +11539,355 @@
           </a:effectLst>
         </p:spPr>
       </p:pic>
+      <p:sp>
+        <p:nvSpPr>
+          <p:cNvPr id="12" name="TextBox 11">
+            <a:extLst>
+              <a:ext uri="{FF2B5EF4-FFF2-40B4-BE49-F238E27FC236}">
+                <a16:creationId xmlns:a16="http://schemas.microsoft.com/office/drawing/2014/main" id="{56AE277D-04BA-497D-8404-BE9A535166B2}"/>
+              </a:ext>
+            </a:extLst>
+          </p:cNvPr>
+          <p:cNvSpPr txBox="1"/>
+          <p:nvPr/>
+        </p:nvSpPr>
+        <p:spPr>
+          <a:xfrm flipH="1">
+            <a:off x="203200" y="1126094"/>
+            <a:ext cx="2574199" cy="369332"/>
+          </a:xfrm>
+          <a:prstGeom prst="rect">
+            <a:avLst/>
+          </a:prstGeom>
+          <a:noFill/>
+        </p:spPr>
+        <p:txBody>
+          <a:bodyPr wrap="square" rtlCol="0">
+            <a:spAutoFit/>
+          </a:bodyPr>
+          <a:lstStyle/>
+          <a:p>
+            <a:r>
+              <a:rPr lang="en-US" dirty="0"/>
+              <a:t>Word Embeddings</a:t>
+            </a:r>
+            <a:endParaRPr lang="en-CA" dirty="0"/>
+          </a:p>
+        </p:txBody>
+      </p:sp>
+      <p:sp>
+        <p:nvSpPr>
+          <p:cNvPr id="13" name="TextBox 12">
+            <a:extLst>
+              <a:ext uri="{FF2B5EF4-FFF2-40B4-BE49-F238E27FC236}">
+                <a16:creationId xmlns:a16="http://schemas.microsoft.com/office/drawing/2014/main" id="{B6245550-9FAA-4D0C-8E74-613A11F307D8}"/>
+              </a:ext>
+            </a:extLst>
+          </p:cNvPr>
+          <p:cNvSpPr txBox="1"/>
+          <p:nvPr/>
+        </p:nvSpPr>
+        <p:spPr>
+          <a:xfrm flipH="1">
+            <a:off x="5118099" y="1122920"/>
+            <a:ext cx="3556000" cy="369332"/>
+          </a:xfrm>
+          <a:prstGeom prst="rect">
+            <a:avLst/>
+          </a:prstGeom>
+          <a:noFill/>
+        </p:spPr>
+        <p:txBody>
+          <a:bodyPr wrap="square" rtlCol="0">
+            <a:spAutoFit/>
+          </a:bodyPr>
+          <a:lstStyle/>
+          <a:p>
+            <a:r>
+              <a:rPr lang="en-US" dirty="0"/>
+              <a:t>Visualization of Word Embeddings</a:t>
+            </a:r>
+            <a:endParaRPr lang="en-CA" dirty="0"/>
+          </a:p>
+        </p:txBody>
+      </p:sp>
+    </p:spTree>
+    <p:extLst>
+      <p:ext uri="{BB962C8B-B14F-4D97-AF65-F5344CB8AC3E}">
+        <p14:creationId xmlns:p14="http://schemas.microsoft.com/office/powerpoint/2010/main" val="2307705170"/>
+      </p:ext>
+    </p:extLst>
+  </p:cSld>
+  <p:clrMapOvr>
+    <a:masterClrMapping/>
+  </p:clrMapOvr>
+</p:sld>
+</file>
+
+<file path=ppt/slides/slide2.xml><?xml version="1.0" encoding="utf-8"?>
+<p:sld xmlns:a="http://schemas.openxmlformats.org/drawingml/2006/main" xmlns:r="http://schemas.openxmlformats.org/officeDocument/2006/relationships" xmlns:p="http://schemas.openxmlformats.org/presentationml/2006/main">
+  <p:cSld>
+    <p:spTree>
+      <p:nvGrpSpPr>
+        <p:cNvPr id="1" name=""/>
+        <p:cNvGrpSpPr/>
+        <p:nvPr/>
+      </p:nvGrpSpPr>
+      <p:grpSpPr>
+        <a:xfrm>
+          <a:off x="0" y="0"/>
+          <a:ext cx="0" cy="0"/>
+          <a:chOff x="0" y="0"/>
+          <a:chExt cx="0" cy="0"/>
+        </a:xfrm>
+      </p:grpSpPr>
+      <p:sp>
+        <p:nvSpPr>
+          <p:cNvPr id="4" name="Title 3">
+            <a:extLst>
+              <a:ext uri="{FF2B5EF4-FFF2-40B4-BE49-F238E27FC236}">
+                <a16:creationId xmlns:a16="http://schemas.microsoft.com/office/drawing/2014/main" id="{311E55CB-BA9F-49CC-844D-A22FA095A609}"/>
+              </a:ext>
+            </a:extLst>
+          </p:cNvPr>
+          <p:cNvSpPr>
+            <a:spLocks noGrp="1"/>
+          </p:cNvSpPr>
+          <p:nvPr>
+            <p:ph type="title"/>
+          </p:nvPr>
+        </p:nvSpPr>
+        <p:spPr/>
+        <p:txBody>
+          <a:bodyPr/>
+          <a:lstStyle/>
+          <a:p>
+            <a:r>
+              <a:rPr lang="en-US"/>
+              <a:t>CSML1010 – Milestone 1</a:t>
+            </a:r>
+            <a:endParaRPr lang="en-CA" dirty="0"/>
+          </a:p>
+        </p:txBody>
+      </p:sp>
+      <p:sp>
+        <p:nvSpPr>
+          <p:cNvPr id="5" name="Content Placeholder 4">
+            <a:extLst>
+              <a:ext uri="{FF2B5EF4-FFF2-40B4-BE49-F238E27FC236}">
+                <a16:creationId xmlns:a16="http://schemas.microsoft.com/office/drawing/2014/main" id="{CCEDE552-9463-4CD8-8C88-2214A514F6F2}"/>
+              </a:ext>
+            </a:extLst>
+          </p:cNvPr>
+          <p:cNvSpPr>
+            <a:spLocks noGrp="1"/>
+          </p:cNvSpPr>
+          <p:nvPr>
+            <p:ph idx="1"/>
+          </p:nvPr>
+        </p:nvSpPr>
+        <p:spPr>
+          <a:xfrm>
+            <a:off x="838200" y="1825625"/>
+            <a:ext cx="10528300" cy="4351338"/>
+          </a:xfrm>
+        </p:spPr>
+        <p:txBody>
+          <a:bodyPr>
+            <a:normAutofit/>
+          </a:bodyPr>
+          <a:lstStyle/>
+          <a:p>
+            <a:r>
+              <a:rPr lang="en-US" sz="2000" dirty="0"/>
+              <a:t>Dataset: Taskmaster-1 from Google</a:t>
+            </a:r>
+          </a:p>
+          <a:p>
+            <a:r>
+              <a:rPr lang="en-US" sz="2000" dirty="0"/>
+              <a:t>NLP Multi-Class Text Classification Problem</a:t>
+            </a:r>
+          </a:p>
+          <a:p>
+            <a:r>
+              <a:rPr lang="en-US" sz="2000" dirty="0"/>
+              <a:t>Data Preparation</a:t>
+            </a:r>
+          </a:p>
+          <a:p>
+            <a:r>
+              <a:rPr lang="en-US" sz="2000" dirty="0"/>
+              <a:t>Data Clean Up</a:t>
+            </a:r>
+          </a:p>
+          <a:p>
+            <a:r>
+              <a:rPr lang="en-US" sz="2000" dirty="0"/>
+              <a:t>Exploratory Data Analysis</a:t>
+            </a:r>
+          </a:p>
+          <a:p>
+            <a:r>
+              <a:rPr lang="en-US" b="1" dirty="0"/>
+              <a:t>Feature Extraction &amp; Engineering</a:t>
+            </a:r>
+          </a:p>
+          <a:p>
+            <a:r>
+              <a:rPr lang="en-US" b="1" dirty="0"/>
+              <a:t>Feature Scaling &amp; Selection</a:t>
+            </a:r>
+          </a:p>
+          <a:p>
+            <a:r>
+              <a:rPr lang="en-US" sz="2000" dirty="0"/>
+              <a:t>Modeling </a:t>
+            </a:r>
+          </a:p>
+          <a:p>
+            <a:r>
+              <a:rPr lang="en-US" sz="2000" dirty="0"/>
+              <a:t>Model Evaluation &amp; Tuning</a:t>
+            </a:r>
+          </a:p>
+        </p:txBody>
+      </p:sp>
+    </p:spTree>
+    <p:extLst>
+      <p:ext uri="{BB962C8B-B14F-4D97-AF65-F5344CB8AC3E}">
+        <p14:creationId xmlns:p14="http://schemas.microsoft.com/office/powerpoint/2010/main" val="1220763550"/>
+      </p:ext>
+    </p:extLst>
+  </p:cSld>
+  <p:clrMapOvr>
+    <a:masterClrMapping/>
+  </p:clrMapOvr>
+</p:sld>
+</file>
+
+<file path=ppt/slides/slide20.xml><?xml version="1.0" encoding="utf-8"?>
+<p:sld xmlns:a="http://schemas.openxmlformats.org/drawingml/2006/main" xmlns:r="http://schemas.openxmlformats.org/officeDocument/2006/relationships" xmlns:p="http://schemas.openxmlformats.org/presentationml/2006/main">
+  <p:cSld>
+    <p:spTree>
+      <p:nvGrpSpPr>
+        <p:cNvPr id="1" name=""/>
+        <p:cNvGrpSpPr/>
+        <p:nvPr/>
+      </p:nvGrpSpPr>
+      <p:grpSpPr>
+        <a:xfrm>
+          <a:off x="0" y="0"/>
+          <a:ext cx="0" cy="0"/>
+          <a:chOff x="0" y="0"/>
+          <a:chExt cx="0" cy="0"/>
+        </a:xfrm>
+      </p:grpSpPr>
+      <p:sp>
+        <p:nvSpPr>
+          <p:cNvPr id="2" name="Title 1">
+            <a:extLst>
+              <a:ext uri="{FF2B5EF4-FFF2-40B4-BE49-F238E27FC236}">
+                <a16:creationId xmlns:a16="http://schemas.microsoft.com/office/drawing/2014/main" id="{078EF1BB-AFD2-4159-A52A-3DC689ABE7D4}"/>
+              </a:ext>
+            </a:extLst>
+          </p:cNvPr>
+          <p:cNvSpPr>
+            <a:spLocks noGrp="1"/>
+          </p:cNvSpPr>
+          <p:nvPr>
+            <p:ph type="title"/>
+          </p:nvPr>
+        </p:nvSpPr>
+        <p:spPr/>
+        <p:txBody>
+          <a:bodyPr/>
+          <a:lstStyle/>
+          <a:p>
+            <a:r>
+              <a:rPr lang="en-US" dirty="0"/>
+              <a:t>Glove from FLAIR</a:t>
+            </a:r>
+            <a:endParaRPr lang="en-CA" dirty="0"/>
+          </a:p>
+        </p:txBody>
+      </p:sp>
+      <p:sp>
+        <p:nvSpPr>
+          <p:cNvPr id="14" name="TextBox 13">
+            <a:extLst>
+              <a:ext uri="{FF2B5EF4-FFF2-40B4-BE49-F238E27FC236}">
+                <a16:creationId xmlns:a16="http://schemas.microsoft.com/office/drawing/2014/main" id="{735E6CF1-49F3-464A-A221-E557EC64390C}"/>
+              </a:ext>
+            </a:extLst>
+          </p:cNvPr>
+          <p:cNvSpPr txBox="1"/>
+          <p:nvPr/>
+        </p:nvSpPr>
+        <p:spPr>
+          <a:xfrm flipH="1">
+            <a:off x="436792" y="1341761"/>
+            <a:ext cx="2574199" cy="369332"/>
+          </a:xfrm>
+          <a:prstGeom prst="rect">
+            <a:avLst/>
+          </a:prstGeom>
+          <a:noFill/>
+        </p:spPr>
+        <p:txBody>
+          <a:bodyPr wrap="square" rtlCol="0">
+            <a:spAutoFit/>
+          </a:bodyPr>
+          <a:lstStyle/>
+          <a:p>
+            <a:r>
+              <a:rPr lang="en-US" dirty="0"/>
+              <a:t>Feature Extraction</a:t>
+            </a:r>
+            <a:endParaRPr lang="en-CA" dirty="0"/>
+          </a:p>
+        </p:txBody>
+      </p:sp>
+      <p:sp>
+        <p:nvSpPr>
+          <p:cNvPr id="15" name="TextBox 14">
+            <a:extLst>
+              <a:ext uri="{FF2B5EF4-FFF2-40B4-BE49-F238E27FC236}">
+                <a16:creationId xmlns:a16="http://schemas.microsoft.com/office/drawing/2014/main" id="{BF8D6167-4BD4-4DA1-AFFA-ED4A1BFD605A}"/>
+              </a:ext>
+            </a:extLst>
+          </p:cNvPr>
+          <p:cNvSpPr txBox="1"/>
+          <p:nvPr/>
+        </p:nvSpPr>
+        <p:spPr>
+          <a:xfrm flipH="1">
+            <a:off x="6434392" y="1321356"/>
+            <a:ext cx="5637582" cy="369332"/>
+          </a:xfrm>
+          <a:prstGeom prst="rect">
+            <a:avLst/>
+          </a:prstGeom>
+          <a:noFill/>
+        </p:spPr>
+        <p:txBody>
+          <a:bodyPr wrap="square" rtlCol="0">
+            <a:spAutoFit/>
+          </a:bodyPr>
+          <a:lstStyle/>
+          <a:p>
+            <a:r>
+              <a:rPr lang="en-US" dirty="0"/>
+              <a:t>Feature Selection – Univariate with Chi</a:t>
+            </a:r>
+            <a:r>
+              <a:rPr lang="en-US" baseline="30000" dirty="0"/>
+              <a:t>2</a:t>
+            </a:r>
+            <a:endParaRPr lang="en-CA" baseline="30000" dirty="0"/>
+          </a:p>
+        </p:txBody>
+      </p:sp>
       <p:pic>
         <p:nvPicPr>
           <p:cNvPr id="7" name="Picture 6">
@@ -10669,7 +11903,7 @@
           <p:nvPr/>
         </p:nvPicPr>
         <p:blipFill>
-          <a:blip r:embed="rId5"/>
+          <a:blip r:embed="rId3"/>
           <a:stretch>
             <a:fillRect/>
           </a:stretch>
@@ -10730,6 +11964,86 @@
           </a:p>
         </p:txBody>
       </p:sp>
+      <p:pic>
+        <p:nvPicPr>
+          <p:cNvPr id="3" name="Picture 2">
+            <a:extLst>
+              <a:ext uri="{FF2B5EF4-FFF2-40B4-BE49-F238E27FC236}">
+                <a16:creationId xmlns:a16="http://schemas.microsoft.com/office/drawing/2014/main" id="{7A47C0AD-5E57-40A0-9A7C-F592D4F8AE84}"/>
+              </a:ext>
+            </a:extLst>
+          </p:cNvPr>
+          <p:cNvPicPr>
+            <a:picLocks noChangeAspect="1"/>
+          </p:cNvPicPr>
+          <p:nvPr/>
+        </p:nvPicPr>
+        <p:blipFill>
+          <a:blip r:embed="rId4"/>
+          <a:stretch>
+            <a:fillRect/>
+          </a:stretch>
+        </p:blipFill>
+        <p:spPr>
+          <a:xfrm>
+            <a:off x="419579" y="1681651"/>
+            <a:ext cx="4927121" cy="3083882"/>
+          </a:xfrm>
+          <a:prstGeom prst="rect">
+            <a:avLst/>
+          </a:prstGeom>
+          <a:ln>
+            <a:noFill/>
+          </a:ln>
+          <a:effectLst>
+            <a:outerShdw blurRad="292100" dist="139700" dir="2700000" algn="tl" rotWithShape="0">
+              <a:srgbClr val="333333">
+                <a:alpha val="65000"/>
+              </a:srgbClr>
+            </a:outerShdw>
+          </a:effectLst>
+        </p:spPr>
+      </p:pic>
+      <p:pic>
+        <p:nvPicPr>
+          <p:cNvPr id="4" name="Picture 3">
+            <a:extLst>
+              <a:ext uri="{FF2B5EF4-FFF2-40B4-BE49-F238E27FC236}">
+                <a16:creationId xmlns:a16="http://schemas.microsoft.com/office/drawing/2014/main" id="{63048098-17E8-4469-98EA-2493DE1BCF83}"/>
+              </a:ext>
+            </a:extLst>
+          </p:cNvPr>
+          <p:cNvPicPr>
+            <a:picLocks noChangeAspect="1"/>
+          </p:cNvPicPr>
+          <p:nvPr/>
+        </p:nvPicPr>
+        <p:blipFill>
+          <a:blip r:embed="rId5"/>
+          <a:stretch>
+            <a:fillRect/>
+          </a:stretch>
+        </p:blipFill>
+        <p:spPr>
+          <a:xfrm>
+            <a:off x="6434392" y="1681651"/>
+            <a:ext cx="5526829" cy="2496649"/>
+          </a:xfrm>
+          <a:prstGeom prst="rect">
+            <a:avLst/>
+          </a:prstGeom>
+          <a:ln>
+            <a:noFill/>
+          </a:ln>
+          <a:effectLst>
+            <a:outerShdw blurRad="292100" dist="139700" dir="2700000" algn="tl" rotWithShape="0">
+              <a:srgbClr val="333333">
+                <a:alpha val="65000"/>
+              </a:srgbClr>
+            </a:outerShdw>
+          </a:effectLst>
+        </p:spPr>
+      </p:pic>
     </p:spTree>
     <p:extLst>
       <p:ext uri="{BB962C8B-B14F-4D97-AF65-F5344CB8AC3E}">
@@ -10743,7 +12057,7 @@
 </p:sld>
 </file>
 
-<file path=ppt/slides/slide16.xml><?xml version="1.0" encoding="utf-8"?>
+<file path=ppt/slides/slide21.xml><?xml version="1.0" encoding="utf-8"?>
 <p:sld xmlns:a="http://schemas.openxmlformats.org/drawingml/2006/main" xmlns:r="http://schemas.openxmlformats.org/officeDocument/2006/relationships" xmlns:p="http://schemas.openxmlformats.org/presentationml/2006/main">
   <p:cSld>
     <p:spTree>
@@ -10760,48 +12074,6 @@
           <a:chExt cx="0" cy="0"/>
         </a:xfrm>
       </p:grpSpPr>
-      <p:pic>
-        <p:nvPicPr>
-          <p:cNvPr id="6" name="Content Placeholder 5">
-            <a:extLst>
-              <a:ext uri="{FF2B5EF4-FFF2-40B4-BE49-F238E27FC236}">
-                <a16:creationId xmlns:a16="http://schemas.microsoft.com/office/drawing/2014/main" id="{249EACEC-ED28-40BF-85FF-9796C85BD8D9}"/>
-              </a:ext>
-            </a:extLst>
-          </p:cNvPr>
-          <p:cNvPicPr>
-            <a:picLocks noGrp="1" noChangeAspect="1"/>
-          </p:cNvPicPr>
-          <p:nvPr>
-            <p:ph idx="1"/>
-          </p:nvPr>
-        </p:nvPicPr>
-        <p:blipFill>
-          <a:blip r:embed="rId3"/>
-          <a:stretch>
-            <a:fillRect/>
-          </a:stretch>
-        </p:blipFill>
-        <p:spPr>
-          <a:xfrm>
-            <a:off x="1397000" y="1041400"/>
-            <a:ext cx="9398000" cy="5357874"/>
-          </a:xfrm>
-          <a:prstGeom prst="rect">
-            <a:avLst/>
-          </a:prstGeom>
-          <a:ln>
-            <a:noFill/>
-          </a:ln>
-          <a:effectLst>
-            <a:outerShdw blurRad="292100" dist="139700" dir="2700000" algn="tl" rotWithShape="0">
-              <a:srgbClr val="333333">
-                <a:alpha val="65000"/>
-              </a:srgbClr>
-            </a:outerShdw>
-          </a:effectLst>
-        </p:spPr>
-      </p:pic>
       <p:sp>
         <p:nvSpPr>
           <p:cNvPr id="13" name="Title 1">
@@ -10850,13 +12122,55 @@
           </a:lstStyle>
           <a:p>
             <a:r>
-              <a:rPr lang="en-US" sz="3200"/>
+              <a:rPr lang="en-US" sz="3200" dirty="0"/>
               <a:t>Feature Engineering, Extraction and Selection Final Results</a:t>
             </a:r>
             <a:endParaRPr lang="en-CA" sz="3200" dirty="0"/>
           </a:p>
         </p:txBody>
       </p:sp>
+      <p:pic>
+        <p:nvPicPr>
+          <p:cNvPr id="5" name="Content Placeholder 4">
+            <a:extLst>
+              <a:ext uri="{FF2B5EF4-FFF2-40B4-BE49-F238E27FC236}">
+                <a16:creationId xmlns:a16="http://schemas.microsoft.com/office/drawing/2014/main" id="{CB8D3C5D-6E85-4596-906B-D93765B9EDF2}"/>
+              </a:ext>
+            </a:extLst>
+          </p:cNvPr>
+          <p:cNvPicPr>
+            <a:picLocks noGrp="1" noChangeAspect="1"/>
+          </p:cNvPicPr>
+          <p:nvPr>
+            <p:ph idx="1"/>
+          </p:nvPr>
+        </p:nvPicPr>
+        <p:blipFill>
+          <a:blip r:embed="rId3"/>
+          <a:stretch>
+            <a:fillRect/>
+          </a:stretch>
+        </p:blipFill>
+        <p:spPr>
+          <a:xfrm>
+            <a:off x="648930" y="1054101"/>
+            <a:ext cx="10494453" cy="5092699"/>
+          </a:xfrm>
+          <a:prstGeom prst="rect">
+            <a:avLst/>
+          </a:prstGeom>
+          <a:ln>
+            <a:noFill/>
+          </a:ln>
+          <a:effectLst>
+            <a:outerShdw blurRad="292100" dist="139700" dir="2700000" algn="tl" rotWithShape="0">
+              <a:srgbClr val="333333">
+                <a:alpha val="65000"/>
+              </a:srgbClr>
+            </a:outerShdw>
+          </a:effectLst>
+        </p:spPr>
+      </p:pic>
     </p:spTree>
     <p:extLst>
       <p:ext uri="{BB962C8B-B14F-4D97-AF65-F5344CB8AC3E}">
@@ -10870,7 +12184,100 @@
 </p:sld>
 </file>
 
-<file path=ppt/slides/slide17.xml><?xml version="1.0" encoding="utf-8"?>
+<file path=ppt/slides/slide22.xml><?xml version="1.0" encoding="utf-8"?>
+<p:sld xmlns:a="http://schemas.openxmlformats.org/drawingml/2006/main" xmlns:r="http://schemas.openxmlformats.org/officeDocument/2006/relationships" xmlns:p="http://schemas.openxmlformats.org/presentationml/2006/main">
+  <p:cSld>
+    <p:spTree>
+      <p:nvGrpSpPr>
+        <p:cNvPr id="1" name=""/>
+        <p:cNvGrpSpPr/>
+        <p:nvPr/>
+      </p:nvGrpSpPr>
+      <p:grpSpPr>
+        <a:xfrm>
+          <a:off x="0" y="0"/>
+          <a:ext cx="0" cy="0"/>
+          <a:chOff x="0" y="0"/>
+          <a:chExt cx="0" cy="0"/>
+        </a:xfrm>
+      </p:grpSpPr>
+      <p:sp>
+        <p:nvSpPr>
+          <p:cNvPr id="2" name="Title 1">
+            <a:extLst>
+              <a:ext uri="{FF2B5EF4-FFF2-40B4-BE49-F238E27FC236}">
+                <a16:creationId xmlns:a16="http://schemas.microsoft.com/office/drawing/2014/main" id="{0B89BCA0-0E0D-4396-B8FD-F85FBCB667EA}"/>
+              </a:ext>
+            </a:extLst>
+          </p:cNvPr>
+          <p:cNvSpPr>
+            <a:spLocks noGrp="1"/>
+          </p:cNvSpPr>
+          <p:nvPr>
+            <p:ph type="title"/>
+          </p:nvPr>
+        </p:nvSpPr>
+        <p:spPr/>
+        <p:txBody>
+          <a:bodyPr>
+            <a:normAutofit/>
+          </a:bodyPr>
+          <a:lstStyle/>
+          <a:p>
+            <a:r>
+              <a:rPr lang="en-US" dirty="0"/>
+              <a:t>Final Results –Variance Between Baseline and Optimized Features</a:t>
+            </a:r>
+            <a:endParaRPr lang="en-CA" dirty="0"/>
+          </a:p>
+        </p:txBody>
+      </p:sp>
+      <p:pic>
+        <p:nvPicPr>
+          <p:cNvPr id="4" name="Content Placeholder 3">
+            <a:extLst>
+              <a:ext uri="{FF2B5EF4-FFF2-40B4-BE49-F238E27FC236}">
+                <a16:creationId xmlns:a16="http://schemas.microsoft.com/office/drawing/2014/main" id="{54070DF7-B62E-4304-974F-D1FADD4C708E}"/>
+              </a:ext>
+            </a:extLst>
+          </p:cNvPr>
+          <p:cNvPicPr>
+            <a:picLocks noGrp="1" noChangeAspect="1"/>
+          </p:cNvPicPr>
+          <p:nvPr>
+            <p:ph idx="1"/>
+          </p:nvPr>
+        </p:nvPicPr>
+        <p:blipFill>
+          <a:blip r:embed="rId2"/>
+          <a:stretch>
+            <a:fillRect/>
+          </a:stretch>
+        </p:blipFill>
+        <p:spPr>
+          <a:xfrm>
+            <a:off x="1734509" y="1870570"/>
+            <a:ext cx="9002381" cy="4286848"/>
+          </a:xfrm>
+          <a:prstGeom prst="rect">
+            <a:avLst/>
+          </a:prstGeom>
+        </p:spPr>
+      </p:pic>
+    </p:spTree>
+    <p:extLst>
+      <p:ext uri="{BB962C8B-B14F-4D97-AF65-F5344CB8AC3E}">
+        <p14:creationId xmlns:p14="http://schemas.microsoft.com/office/powerpoint/2010/main" val="156925180"/>
+      </p:ext>
+    </p:extLst>
+  </p:cSld>
+  <p:clrMapOvr>
+    <a:masterClrMapping/>
+  </p:clrMapOvr>
+</p:sld>
+</file>
+
+<file path=ppt/slides/slide23.xml><?xml version="1.0" encoding="utf-8"?>
 <p:sld xmlns:a="http://schemas.openxmlformats.org/drawingml/2006/main" xmlns:r="http://schemas.openxmlformats.org/officeDocument/2006/relationships" xmlns:p="http://schemas.openxmlformats.org/presentationml/2006/main">
   <p:cSld>
     <p:bg>
@@ -10895,36 +12302,6 @@
           <a:chExt cx="0" cy="0"/>
         </a:xfrm>
       </p:grpSpPr>
-      <p:pic>
-        <p:nvPicPr>
-          <p:cNvPr id="5" name="Content Placeholder 4">
-            <a:extLst>
-              <a:ext uri="{FF2B5EF4-FFF2-40B4-BE49-F238E27FC236}">
-                <a16:creationId xmlns:a16="http://schemas.microsoft.com/office/drawing/2014/main" id="{6C55F004-4AA5-45A8-B38E-23D67F82FA53}"/>
-              </a:ext>
-            </a:extLst>
-          </p:cNvPr>
-          <p:cNvPicPr>
-            <a:picLocks noChangeAspect="1"/>
-          </p:cNvPicPr>
-          <p:nvPr/>
-        </p:nvPicPr>
-        <p:blipFill rotWithShape="1">
-          <a:blip r:embed="rId3"/>
-          <a:srcRect r="1" b="15332"/>
-          <a:stretch/>
-        </p:blipFill>
-        <p:spPr>
-          <a:xfrm>
-            <a:off x="3951403" y="1054101"/>
-            <a:ext cx="6632874" cy="5349238"/>
-          </a:xfrm>
-          <a:prstGeom prst="rect">
-            <a:avLst/>
-          </a:prstGeom>
-          <a:effectLst/>
-        </p:spPr>
-      </p:pic>
       <p:sp>
         <p:nvSpPr>
           <p:cNvPr id="11" name="Title 1">
@@ -11022,6 +12399,36 @@
           </a:p>
         </p:txBody>
       </p:sp>
+      <p:pic>
+        <p:nvPicPr>
+          <p:cNvPr id="2" name="Picture 1">
+            <a:extLst>
+              <a:ext uri="{FF2B5EF4-FFF2-40B4-BE49-F238E27FC236}">
+                <a16:creationId xmlns:a16="http://schemas.microsoft.com/office/drawing/2014/main" id="{15F5E927-BAE8-4080-937A-252598C6C2ED}"/>
+              </a:ext>
+            </a:extLst>
+          </p:cNvPr>
+          <p:cNvPicPr>
+            <a:picLocks noChangeAspect="1"/>
+          </p:cNvPicPr>
+          <p:nvPr/>
+        </p:nvPicPr>
+        <p:blipFill>
+          <a:blip r:embed="rId3"/>
+          <a:stretch>
+            <a:fillRect/>
+          </a:stretch>
+        </p:blipFill>
+        <p:spPr>
+          <a:xfrm>
+            <a:off x="5211536" y="806614"/>
+            <a:ext cx="6396264" cy="5962486"/>
+          </a:xfrm>
+          <a:prstGeom prst="rect">
+            <a:avLst/>
+          </a:prstGeom>
+        </p:spPr>
+      </p:pic>
     </p:spTree>
     <p:extLst>
       <p:ext uri="{BB962C8B-B14F-4D97-AF65-F5344CB8AC3E}">
@@ -11035,7 +12442,7 @@
 </p:sld>
 </file>
 
-<file path=ppt/slides/slide18.xml><?xml version="1.0" encoding="utf-8"?>
+<file path=ppt/slides/slide24.xml><?xml version="1.0" encoding="utf-8"?>
 <p:sld xmlns:a="http://schemas.openxmlformats.org/drawingml/2006/main" xmlns:r="http://schemas.openxmlformats.org/officeDocument/2006/relationships" xmlns:p="http://schemas.openxmlformats.org/presentationml/2006/main">
   <p:cSld>
     <p:spTree>
@@ -11088,86 +12495,6 @@
           </a:p>
         </p:txBody>
       </p:sp>
-      <p:pic>
-        <p:nvPicPr>
-          <p:cNvPr id="6" name="Content Placeholder 3">
-            <a:extLst>
-              <a:ext uri="{FF2B5EF4-FFF2-40B4-BE49-F238E27FC236}">
-                <a16:creationId xmlns:a16="http://schemas.microsoft.com/office/drawing/2014/main" id="{EA2B0F55-238A-4A17-8D55-E10FB80EDA85}"/>
-              </a:ext>
-            </a:extLst>
-          </p:cNvPr>
-          <p:cNvPicPr>
-            <a:picLocks noChangeAspect="1"/>
-          </p:cNvPicPr>
-          <p:nvPr/>
-        </p:nvPicPr>
-        <p:blipFill>
-          <a:blip r:embed="rId3"/>
-          <a:stretch>
-            <a:fillRect/>
-          </a:stretch>
-        </p:blipFill>
-        <p:spPr>
-          <a:xfrm>
-            <a:off x="6446347" y="1641884"/>
-            <a:ext cx="5544002" cy="4955149"/>
-          </a:xfrm>
-          <a:prstGeom prst="rect">
-            <a:avLst/>
-          </a:prstGeom>
-          <a:ln>
-            <a:noFill/>
-          </a:ln>
-          <a:effectLst>
-            <a:outerShdw blurRad="292100" dist="139700" dir="2700000" algn="tl" rotWithShape="0">
-              <a:srgbClr val="333333">
-                <a:alpha val="65000"/>
-              </a:srgbClr>
-            </a:outerShdw>
-          </a:effectLst>
-        </p:spPr>
-      </p:pic>
-      <p:pic>
-        <p:nvPicPr>
-          <p:cNvPr id="7" name="Picture 6">
-            <a:extLst>
-              <a:ext uri="{FF2B5EF4-FFF2-40B4-BE49-F238E27FC236}">
-                <a16:creationId xmlns:a16="http://schemas.microsoft.com/office/drawing/2014/main" id="{D904E980-2300-4986-ABF7-B169DE18CACA}"/>
-              </a:ext>
-            </a:extLst>
-          </p:cNvPr>
-          <p:cNvPicPr>
-            <a:picLocks noChangeAspect="1"/>
-          </p:cNvPicPr>
-          <p:nvPr/>
-        </p:nvPicPr>
-        <p:blipFill>
-          <a:blip r:embed="rId4"/>
-          <a:stretch>
-            <a:fillRect/>
-          </a:stretch>
-        </p:blipFill>
-        <p:spPr>
-          <a:xfrm>
-            <a:off x="648930" y="3081178"/>
-            <a:ext cx="5096725" cy="3515855"/>
-          </a:xfrm>
-          <a:prstGeom prst="rect">
-            <a:avLst/>
-          </a:prstGeom>
-          <a:ln>
-            <a:noFill/>
-          </a:ln>
-          <a:effectLst>
-            <a:outerShdw blurRad="292100" dist="139700" dir="2700000" algn="tl" rotWithShape="0">
-              <a:srgbClr val="333333">
-                <a:alpha val="65000"/>
-              </a:srgbClr>
-            </a:outerShdw>
-          </a:effectLst>
-        </p:spPr>
-      </p:pic>
       <p:graphicFrame>
         <p:nvGraphicFramePr>
           <p:cNvPr id="8" name="Table 9">
@@ -11506,6 +12833,86 @@
           </a:p>
         </p:txBody>
       </p:sp>
+      <p:pic>
+        <p:nvPicPr>
+          <p:cNvPr id="3" name="Picture 2">
+            <a:extLst>
+              <a:ext uri="{FF2B5EF4-FFF2-40B4-BE49-F238E27FC236}">
+                <a16:creationId xmlns:a16="http://schemas.microsoft.com/office/drawing/2014/main" id="{143B7D29-CF4F-4274-B72B-2EF6951509D6}"/>
+              </a:ext>
+            </a:extLst>
+          </p:cNvPr>
+          <p:cNvPicPr>
+            <a:picLocks noChangeAspect="1"/>
+          </p:cNvPicPr>
+          <p:nvPr/>
+        </p:nvPicPr>
+        <p:blipFill>
+          <a:blip r:embed="rId3"/>
+          <a:stretch>
+            <a:fillRect/>
+          </a:stretch>
+        </p:blipFill>
+        <p:spPr>
+          <a:xfrm>
+            <a:off x="6446347" y="1641884"/>
+            <a:ext cx="4831255" cy="4825139"/>
+          </a:xfrm>
+          <a:prstGeom prst="rect">
+            <a:avLst/>
+          </a:prstGeom>
+          <a:ln>
+            <a:noFill/>
+          </a:ln>
+          <a:effectLst>
+            <a:outerShdw blurRad="292100" dist="139700" dir="2700000" algn="tl" rotWithShape="0">
+              <a:srgbClr val="333333">
+                <a:alpha val="65000"/>
+              </a:srgbClr>
+            </a:outerShdw>
+          </a:effectLst>
+        </p:spPr>
+      </p:pic>
+      <p:pic>
+        <p:nvPicPr>
+          <p:cNvPr id="4" name="Picture 3">
+            <a:extLst>
+              <a:ext uri="{FF2B5EF4-FFF2-40B4-BE49-F238E27FC236}">
+                <a16:creationId xmlns:a16="http://schemas.microsoft.com/office/drawing/2014/main" id="{1F214F83-CEC3-4C3B-B23C-DBFA52BFC0C1}"/>
+              </a:ext>
+            </a:extLst>
+          </p:cNvPr>
+          <p:cNvPicPr>
+            <a:picLocks noChangeAspect="1"/>
+          </p:cNvPicPr>
+          <p:nvPr/>
+        </p:nvPicPr>
+        <p:blipFill>
+          <a:blip r:embed="rId4"/>
+          <a:stretch>
+            <a:fillRect/>
+          </a:stretch>
+        </p:blipFill>
+        <p:spPr>
+          <a:xfrm>
+            <a:off x="648930" y="3074781"/>
+            <a:ext cx="5049938" cy="3392241"/>
+          </a:xfrm>
+          <a:prstGeom prst="rect">
+            <a:avLst/>
+          </a:prstGeom>
+          <a:ln>
+            <a:noFill/>
+          </a:ln>
+          <a:effectLst>
+            <a:outerShdw blurRad="292100" dist="139700" dir="2700000" algn="tl" rotWithShape="0">
+              <a:srgbClr val="333333">
+                <a:alpha val="65000"/>
+              </a:srgbClr>
+            </a:outerShdw>
+          </a:effectLst>
+        </p:spPr>
+      </p:pic>
     </p:spTree>
     <p:extLst>
       <p:ext uri="{BB962C8B-B14F-4D97-AF65-F5344CB8AC3E}">
@@ -11519,7 +12926,7 @@
 </p:sld>
 </file>
 
-<file path=ppt/slides/slide2.xml><?xml version="1.0" encoding="utf-8"?>
+<file path=ppt/slides/slide25.xml><?xml version="1.0" encoding="utf-8"?>
 <p:sld xmlns:a="http://schemas.openxmlformats.org/drawingml/2006/main" xmlns:r="http://schemas.openxmlformats.org/officeDocument/2006/relationships" xmlns:p="http://schemas.openxmlformats.org/presentationml/2006/main">
   <p:cSld>
     <p:spTree>
@@ -11538,10 +12945,10 @@
       </p:grpSpPr>
       <p:sp>
         <p:nvSpPr>
-          <p:cNvPr id="4" name="Title 3">
-            <a:extLst>
-              <a:ext uri="{FF2B5EF4-FFF2-40B4-BE49-F238E27FC236}">
-                <a16:creationId xmlns:a16="http://schemas.microsoft.com/office/drawing/2014/main" id="{311E55CB-BA9F-49CC-844D-A22FA095A609}"/>
+          <p:cNvPr id="2" name="Title 1">
+            <a:extLst>
+              <a:ext uri="{FF2B5EF4-FFF2-40B4-BE49-F238E27FC236}">
+                <a16:creationId xmlns:a16="http://schemas.microsoft.com/office/drawing/2014/main" id="{56188688-EA5E-4170-8A4A-679D86FA167D}"/>
               </a:ext>
             </a:extLst>
           </p:cNvPr>
@@ -11558,8 +12965,8 @@
           <a:lstStyle/>
           <a:p>
             <a:r>
-              <a:rPr lang="en-US"/>
-              <a:t>CSML1010 – Milestone 1</a:t>
+              <a:rPr lang="en-US" dirty="0"/>
+              <a:t>Next Steps	</a:t>
             </a:r>
             <a:endParaRPr lang="en-CA" dirty="0"/>
           </a:p>
@@ -11567,10 +12974,10 @@
       </p:sp>
       <p:sp>
         <p:nvSpPr>
-          <p:cNvPr id="5" name="Content Placeholder 4">
-            <a:extLst>
-              <a:ext uri="{FF2B5EF4-FFF2-40B4-BE49-F238E27FC236}">
-                <a16:creationId xmlns:a16="http://schemas.microsoft.com/office/drawing/2014/main" id="{CCEDE552-9463-4CD8-8C88-2214A514F6F2}"/>
+          <p:cNvPr id="3" name="Content Placeholder 2">
+            <a:extLst>
+              <a:ext uri="{FF2B5EF4-FFF2-40B4-BE49-F238E27FC236}">
+                <a16:creationId xmlns:a16="http://schemas.microsoft.com/office/drawing/2014/main" id="{BE62C53E-F8DC-4398-B9B6-E084FE5FE9F8}"/>
               </a:ext>
             </a:extLst>
           </p:cNvPr>
@@ -11581,77 +12988,81 @@
             <p:ph idx="1"/>
           </p:nvPr>
         </p:nvSpPr>
-        <p:spPr>
-          <a:xfrm>
-            <a:off x="838200" y="1825625"/>
-            <a:ext cx="10528300" cy="4351338"/>
-          </a:xfrm>
-        </p:spPr>
-        <p:txBody>
-          <a:bodyPr>
-            <a:normAutofit/>
-          </a:bodyPr>
+        <p:spPr/>
+        <p:txBody>
+          <a:bodyPr/>
           <a:lstStyle/>
           <a:p>
             <a:r>
-              <a:rPr lang="en-US" sz="2000" dirty="0"/>
-              <a:t>Dataset: Taskmaster-1 from Google</a:t>
-            </a:r>
-          </a:p>
-          <a:p>
-            <a:r>
-              <a:rPr lang="en-US" sz="2000" dirty="0"/>
-              <a:t>NLP Multi-Class Text Classification Problem</a:t>
-            </a:r>
-          </a:p>
-          <a:p>
-            <a:r>
-              <a:rPr lang="en-US" sz="2000" dirty="0"/>
-              <a:t>Data Preparation</a:t>
-            </a:r>
-          </a:p>
-          <a:p>
-            <a:r>
-              <a:rPr lang="en-US" sz="2000" dirty="0"/>
-              <a:t>Data Clean Up</a:t>
-            </a:r>
-          </a:p>
-          <a:p>
-            <a:r>
-              <a:rPr lang="en-US" sz="2000" dirty="0"/>
-              <a:t>Exploratory Data Analysis</a:t>
-            </a:r>
-          </a:p>
-          <a:p>
-            <a:r>
-              <a:rPr lang="en-US" b="1" dirty="0"/>
-              <a:t>Feature Extraction &amp; Engineering</a:t>
-            </a:r>
-          </a:p>
-          <a:p>
-            <a:r>
-              <a:rPr lang="en-US" b="1" dirty="0"/>
-              <a:t>Feature Scaling &amp; Selection</a:t>
-            </a:r>
-          </a:p>
-          <a:p>
-            <a:r>
-              <a:rPr lang="en-US" sz="2000" dirty="0"/>
-              <a:t>Modeling </a:t>
-            </a:r>
-          </a:p>
-          <a:p>
-            <a:r>
-              <a:rPr lang="en-US" sz="2000" dirty="0"/>
-              <a:t>Model Evaluation &amp; Tuning</a:t>
-            </a:r>
+              <a:rPr lang="en-US" dirty="0"/>
+              <a:t>Feature Engineering</a:t>
+            </a:r>
+          </a:p>
+          <a:p>
+            <a:pPr lvl="1"/>
+            <a:r>
+              <a:rPr lang="en-US" dirty="0"/>
+              <a:t>Review issue with Glove Feature in our notebook</a:t>
+            </a:r>
+          </a:p>
+          <a:p>
+            <a:pPr lvl="1"/>
+            <a:r>
+              <a:rPr lang="en-US" dirty="0"/>
+              <a:t>Examine </a:t>
+            </a:r>
+          </a:p>
+          <a:p>
+            <a:pPr lvl="2"/>
+            <a:r>
+              <a:rPr lang="en-US" dirty="0"/>
+              <a:t>Language Model (BERT and ELMO)</a:t>
+            </a:r>
+          </a:p>
+          <a:p>
+            <a:pPr lvl="2"/>
+            <a:r>
+              <a:rPr lang="en-US" dirty="0"/>
+              <a:t>Topic Model</a:t>
+            </a:r>
+          </a:p>
+          <a:p>
+            <a:r>
+              <a:rPr lang="en-US" dirty="0"/>
+              <a:t>Feature Selection Methods</a:t>
+            </a:r>
+          </a:p>
+          <a:p>
+            <a:pPr lvl="1"/>
+            <a:r>
+              <a:rPr lang="en-US" dirty="0"/>
+              <a:t>Examine</a:t>
+            </a:r>
+          </a:p>
+          <a:p>
+            <a:pPr lvl="2"/>
+            <a:r>
+              <a:rPr lang="en-US" dirty="0"/>
+              <a:t>RFE </a:t>
+            </a:r>
+          </a:p>
+          <a:p>
+            <a:pPr lvl="2"/>
+            <a:r>
+              <a:rPr lang="en-US" dirty="0"/>
+              <a:t>Feature Importance</a:t>
+            </a:r>
+          </a:p>
+          <a:p>
+            <a:pPr lvl="1"/>
+            <a:endParaRPr lang="en-CA" dirty="0"/>
           </a:p>
         </p:txBody>
       </p:sp>
     </p:spTree>
     <p:extLst>
       <p:ext uri="{BB962C8B-B14F-4D97-AF65-F5344CB8AC3E}">
-        <p14:creationId xmlns:p14="http://schemas.microsoft.com/office/powerpoint/2010/main" val="1220763550"/>
+        <p14:creationId xmlns:p14="http://schemas.microsoft.com/office/powerpoint/2010/main" val="246662737"/>
       </p:ext>
     </p:extLst>
   </p:cSld>
@@ -11914,6 +13325,169 @@
 </file>
 
 <file path=ppt/slides/slide4.xml><?xml version="1.0" encoding="utf-8"?>
+<p:sld xmlns:a="http://schemas.openxmlformats.org/drawingml/2006/main" xmlns:r="http://schemas.openxmlformats.org/officeDocument/2006/relationships" xmlns:p="http://schemas.openxmlformats.org/presentationml/2006/main">
+  <p:cSld>
+    <p:spTree>
+      <p:nvGrpSpPr>
+        <p:cNvPr id="1" name=""/>
+        <p:cNvGrpSpPr/>
+        <p:nvPr/>
+      </p:nvGrpSpPr>
+      <p:grpSpPr>
+        <a:xfrm>
+          <a:off x="0" y="0"/>
+          <a:ext cx="0" cy="0"/>
+          <a:chOff x="0" y="0"/>
+          <a:chExt cx="0" cy="0"/>
+        </a:xfrm>
+      </p:grpSpPr>
+      <p:sp>
+        <p:nvSpPr>
+          <p:cNvPr id="4" name="Title 3">
+            <a:extLst>
+              <a:ext uri="{FF2B5EF4-FFF2-40B4-BE49-F238E27FC236}">
+                <a16:creationId xmlns:a16="http://schemas.microsoft.com/office/drawing/2014/main" id="{311E55CB-BA9F-49CC-844D-A22FA095A609}"/>
+              </a:ext>
+            </a:extLst>
+          </p:cNvPr>
+          <p:cNvSpPr>
+            <a:spLocks noGrp="1"/>
+          </p:cNvSpPr>
+          <p:nvPr>
+            <p:ph type="title"/>
+          </p:nvPr>
+        </p:nvSpPr>
+        <p:spPr/>
+        <p:txBody>
+          <a:bodyPr/>
+          <a:lstStyle/>
+          <a:p>
+            <a:r>
+              <a:rPr lang="en-US" dirty="0"/>
+              <a:t>Project: Conversation Identification</a:t>
+            </a:r>
+          </a:p>
+        </p:txBody>
+      </p:sp>
+      <p:sp>
+        <p:nvSpPr>
+          <p:cNvPr id="5" name="Content Placeholder 4">
+            <a:extLst>
+              <a:ext uri="{FF2B5EF4-FFF2-40B4-BE49-F238E27FC236}">
+                <a16:creationId xmlns:a16="http://schemas.microsoft.com/office/drawing/2014/main" id="{CCEDE552-9463-4CD8-8C88-2214A514F6F2}"/>
+              </a:ext>
+            </a:extLst>
+          </p:cNvPr>
+          <p:cNvSpPr>
+            <a:spLocks noGrp="1"/>
+          </p:cNvSpPr>
+          <p:nvPr>
+            <p:ph sz="half" idx="1"/>
+          </p:nvPr>
+        </p:nvSpPr>
+        <p:spPr/>
+        <p:txBody>
+          <a:bodyPr>
+            <a:normAutofit/>
+          </a:bodyPr>
+          <a:lstStyle/>
+          <a:p>
+            <a:r>
+              <a:rPr lang="en-US" dirty="0"/>
+              <a:t>The problem we will examine is a supervised multi-class text classification problem.  </a:t>
+            </a:r>
+          </a:p>
+          <a:p>
+            <a:r>
+              <a:rPr lang="en-US" b="1" u="sng" dirty="0"/>
+              <a:t>Goal:</a:t>
+            </a:r>
+            <a:r>
+              <a:rPr lang="en-US" dirty="0"/>
+              <a:t>  </a:t>
+            </a:r>
+            <a:r>
+              <a:rPr lang="en-US" i="1" dirty="0"/>
+              <a:t>Build a model that identifies the category for dialogue conversations</a:t>
+            </a:r>
+          </a:p>
+          <a:p>
+            <a:pPr lvl="1"/>
+            <a:r>
+              <a:rPr lang="en-US" b="1" dirty="0"/>
+              <a:t>Input:</a:t>
+            </a:r>
+            <a:r>
+              <a:rPr lang="en-US" dirty="0"/>
+              <a:t> conversation dialogue text and labels</a:t>
+            </a:r>
+          </a:p>
+          <a:p>
+            <a:pPr lvl="1"/>
+            <a:r>
+              <a:rPr lang="en-US" b="1" dirty="0"/>
+              <a:t>Output:</a:t>
+            </a:r>
+            <a:r>
+              <a:rPr lang="en-US" dirty="0"/>
+              <a:t> model that predicts the “</a:t>
+            </a:r>
+            <a:r>
+              <a:rPr lang="en-US" dirty="0" err="1"/>
+              <a:t>instruction_id</a:t>
+            </a:r>
+            <a:r>
+              <a:rPr lang="en-US" dirty="0"/>
+              <a:t>” category</a:t>
+            </a:r>
+          </a:p>
+        </p:txBody>
+      </p:sp>
+      <p:graphicFrame>
+        <p:nvGraphicFramePr>
+          <p:cNvPr id="3" name="Content Placeholder 2">
+            <a:extLst>
+              <a:ext uri="{FF2B5EF4-FFF2-40B4-BE49-F238E27FC236}">
+                <a16:creationId xmlns:a16="http://schemas.microsoft.com/office/drawing/2014/main" id="{76B4393F-1B0F-4349-AE91-63973CC5D452}"/>
+              </a:ext>
+            </a:extLst>
+          </p:cNvPr>
+          <p:cNvGraphicFramePr>
+            <a:graphicFrameLocks noGrp="1"/>
+          </p:cNvGraphicFramePr>
+          <p:nvPr>
+            <p:ph sz="half" idx="2"/>
+            <p:extLst>
+              <p:ext uri="{D42A27DB-BD31-4B8C-83A1-F6EECF244321}">
+                <p14:modId xmlns:p14="http://schemas.microsoft.com/office/powerpoint/2010/main" val="2969821449"/>
+              </p:ext>
+            </p:extLst>
+          </p:nvPr>
+        </p:nvGraphicFramePr>
+        <p:xfrm>
+          <a:off x="6172200" y="1825625"/>
+          <a:ext cx="5181600" cy="4351338"/>
+        </p:xfrm>
+        <a:graphic>
+          <a:graphicData uri="http://schemas.openxmlformats.org/drawingml/2006/diagram">
+            <dgm:relIds xmlns:dgm="http://schemas.openxmlformats.org/drawingml/2006/diagram" xmlns:r="http://schemas.openxmlformats.org/officeDocument/2006/relationships" r:dm="rId3" r:lo="rId4" r:qs="rId5" r:cs="rId6"/>
+          </a:graphicData>
+        </a:graphic>
+      </p:graphicFrame>
+    </p:spTree>
+    <p:extLst>
+      <p:ext uri="{BB962C8B-B14F-4D97-AF65-F5344CB8AC3E}">
+        <p14:creationId xmlns:p14="http://schemas.microsoft.com/office/powerpoint/2010/main" val="3037118411"/>
+      </p:ext>
+    </p:extLst>
+  </p:cSld>
+  <p:clrMapOvr>
+    <a:masterClrMapping/>
+  </p:clrMapOvr>
+</p:sld>
+</file>
+
+<file path=ppt/slides/slide5.xml><?xml version="1.0" encoding="utf-8"?>
 <p:sld xmlns:a="http://schemas.openxmlformats.org/drawingml/2006/main" xmlns:r="http://schemas.openxmlformats.org/officeDocument/2006/relationships" xmlns:p="http://schemas.openxmlformats.org/presentationml/2006/main">
   <p:cSld>
     <p:spTree>
@@ -12664,7 +14238,7 @@
 </p:sld>
 </file>
 
-<file path=ppt/slides/slide5.xml><?xml version="1.0" encoding="utf-8"?>
+<file path=ppt/slides/slide6.xml><?xml version="1.0" encoding="utf-8"?>
 <p:sld xmlns:a="http://schemas.openxmlformats.org/drawingml/2006/main" xmlns:r="http://schemas.openxmlformats.org/officeDocument/2006/relationships" xmlns:p="http://schemas.openxmlformats.org/presentationml/2006/main">
   <p:cSld>
     <p:bg>
@@ -12775,7 +14349,7 @@
 </p:sld>
 </file>
 
-<file path=ppt/slides/slide6.xml><?xml version="1.0" encoding="utf-8"?>
+<file path=ppt/slides/slide7.xml><?xml version="1.0" encoding="utf-8"?>
 <p:sld xmlns:a="http://schemas.openxmlformats.org/drawingml/2006/main" xmlns:r="http://schemas.openxmlformats.org/officeDocument/2006/relationships" xmlns:p="http://schemas.openxmlformats.org/presentationml/2006/main">
   <p:cSld>
     <p:spTree>
@@ -12794,10 +14368,10 @@
       </p:grpSpPr>
       <p:sp>
         <p:nvSpPr>
-          <p:cNvPr id="4" name="Title 3">
-            <a:extLst>
-              <a:ext uri="{FF2B5EF4-FFF2-40B4-BE49-F238E27FC236}">
-                <a16:creationId xmlns:a16="http://schemas.microsoft.com/office/drawing/2014/main" id="{311E55CB-BA9F-49CC-844D-A22FA095A609}"/>
+          <p:cNvPr id="2" name="Title 1">
+            <a:extLst>
+              <a:ext uri="{FF2B5EF4-FFF2-40B4-BE49-F238E27FC236}">
+                <a16:creationId xmlns:a16="http://schemas.microsoft.com/office/drawing/2014/main" id="{B65F57EA-951D-421C-A0CD-C0071117FEB5}"/>
               </a:ext>
             </a:extLst>
           </p:cNvPr>
@@ -12815,120 +14389,78 @@
           <a:p>
             <a:r>
               <a:rPr lang="en-US" dirty="0"/>
-              <a:t>Project: Conversation Identification</a:t>
-            </a:r>
-          </a:p>
-        </p:txBody>
-      </p:sp>
-      <p:sp>
-        <p:nvSpPr>
-          <p:cNvPr id="5" name="Content Placeholder 4">
-            <a:extLst>
-              <a:ext uri="{FF2B5EF4-FFF2-40B4-BE49-F238E27FC236}">
-                <a16:creationId xmlns:a16="http://schemas.microsoft.com/office/drawing/2014/main" id="{CCEDE552-9463-4CD8-8C88-2214A514F6F2}"/>
-              </a:ext>
-            </a:extLst>
-          </p:cNvPr>
-          <p:cNvSpPr>
-            <a:spLocks noGrp="1"/>
-          </p:cNvSpPr>
+              <a:t>Balanced Sample of Dataset</a:t>
+            </a:r>
+            <a:endParaRPr lang="en-CA" dirty="0"/>
+          </a:p>
+        </p:txBody>
+      </p:sp>
+      <p:pic>
+        <p:nvPicPr>
+          <p:cNvPr id="4" name="Content Placeholder 3">
+            <a:extLst>
+              <a:ext uri="{FF2B5EF4-FFF2-40B4-BE49-F238E27FC236}">
+                <a16:creationId xmlns:a16="http://schemas.microsoft.com/office/drawing/2014/main" id="{2B479330-7A13-4B29-834B-75E5B4BDBBD5}"/>
+              </a:ext>
+            </a:extLst>
+          </p:cNvPr>
+          <p:cNvPicPr>
+            <a:picLocks noGrp="1" noChangeAspect="1"/>
+          </p:cNvPicPr>
           <p:nvPr>
-            <p:ph sz="half" idx="1"/>
+            <p:ph idx="1"/>
           </p:nvPr>
-        </p:nvSpPr>
-        <p:spPr/>
-        <p:txBody>
-          <a:bodyPr>
-            <a:normAutofit/>
-          </a:bodyPr>
-          <a:lstStyle/>
-          <a:p>
-            <a:r>
-              <a:rPr lang="en-US" dirty="0"/>
-              <a:t>The problem we will examine is a supervised multi-class text classification problem.  </a:t>
-            </a:r>
-          </a:p>
-          <a:p>
-            <a:r>
-              <a:rPr lang="en-US" b="1" u="sng" dirty="0"/>
-              <a:t>Goal:</a:t>
-            </a:r>
-            <a:r>
-              <a:rPr lang="en-US" dirty="0"/>
-              <a:t>  </a:t>
-            </a:r>
-            <a:r>
-              <a:rPr lang="en-US" i="1" dirty="0"/>
-              <a:t>Build a model that identifies the category for dialogue conversations</a:t>
-            </a:r>
-          </a:p>
-          <a:p>
-            <a:pPr lvl="1"/>
-            <a:r>
-              <a:rPr lang="en-US" b="1" dirty="0"/>
-              <a:t>Input:</a:t>
-            </a:r>
-            <a:r>
-              <a:rPr lang="en-US" dirty="0"/>
-              <a:t> conversation dialogue text and labels</a:t>
-            </a:r>
-          </a:p>
-          <a:p>
-            <a:pPr lvl="1"/>
-            <a:r>
-              <a:rPr lang="en-US" b="1" dirty="0"/>
-              <a:t>Output:</a:t>
-            </a:r>
-            <a:r>
-              <a:rPr lang="en-US" dirty="0"/>
-              <a:t> model that predicts the “</a:t>
-            </a:r>
-            <a:r>
-              <a:rPr lang="en-US" dirty="0" err="1"/>
-              <a:t>instruction_id</a:t>
-            </a:r>
-            <a:r>
-              <a:rPr lang="en-US" dirty="0"/>
-              <a:t>” category</a:t>
-            </a:r>
-          </a:p>
-        </p:txBody>
-      </p:sp>
-      <p:graphicFrame>
-        <p:nvGraphicFramePr>
-          <p:cNvPr id="3" name="Content Placeholder 2">
-            <a:extLst>
-              <a:ext uri="{FF2B5EF4-FFF2-40B4-BE49-F238E27FC236}">
-                <a16:creationId xmlns:a16="http://schemas.microsoft.com/office/drawing/2014/main" id="{76B4393F-1B0F-4349-AE91-63973CC5D452}"/>
-              </a:ext>
-            </a:extLst>
-          </p:cNvPr>
-          <p:cNvGraphicFramePr>
-            <a:graphicFrameLocks noGrp="1"/>
-          </p:cNvGraphicFramePr>
-          <p:nvPr>
-            <p:ph sz="half" idx="2"/>
-            <p:extLst>
-              <p:ext uri="{D42A27DB-BD31-4B8C-83A1-F6EECF244321}">
-                <p14:modId xmlns:p14="http://schemas.microsoft.com/office/powerpoint/2010/main" val="2969821449"/>
-              </p:ext>
-            </p:extLst>
-          </p:nvPr>
-        </p:nvGraphicFramePr>
-        <p:xfrm>
-          <a:off x="6172200" y="1825625"/>
-          <a:ext cx="5181600" cy="4351338"/>
-        </p:xfrm>
-        <a:graphic>
-          <a:graphicData uri="http://schemas.openxmlformats.org/drawingml/2006/diagram">
-            <dgm:relIds xmlns:dgm="http://schemas.openxmlformats.org/drawingml/2006/diagram" xmlns:r="http://schemas.openxmlformats.org/officeDocument/2006/relationships" r:dm="rId3" r:lo="rId4" r:qs="rId5" r:cs="rId6"/>
-          </a:graphicData>
-        </a:graphic>
-      </p:graphicFrame>
+        </p:nvPicPr>
+        <p:blipFill>
+          <a:blip r:embed="rId2"/>
+          <a:stretch>
+            <a:fillRect/>
+          </a:stretch>
+        </p:blipFill>
+        <p:spPr>
+          <a:xfrm>
+            <a:off x="6291603" y="1690688"/>
+            <a:ext cx="4968194" cy="4351338"/>
+          </a:xfrm>
+          <a:prstGeom prst="rect">
+            <a:avLst/>
+          </a:prstGeom>
+        </p:spPr>
+      </p:pic>
+      <p:pic>
+        <p:nvPicPr>
+          <p:cNvPr id="5" name="Picture 4">
+            <a:extLst>
+              <a:ext uri="{FF2B5EF4-FFF2-40B4-BE49-F238E27FC236}">
+                <a16:creationId xmlns:a16="http://schemas.microsoft.com/office/drawing/2014/main" id="{90A6CE4F-860E-4363-A1B4-DB7F7EE25112}"/>
+              </a:ext>
+            </a:extLst>
+          </p:cNvPr>
+          <p:cNvPicPr>
+            <a:picLocks noChangeAspect="1"/>
+          </p:cNvPicPr>
+          <p:nvPr/>
+        </p:nvPicPr>
+        <p:blipFill>
+          <a:blip r:embed="rId3"/>
+          <a:stretch>
+            <a:fillRect/>
+          </a:stretch>
+        </p:blipFill>
+        <p:spPr>
+          <a:xfrm>
+            <a:off x="838199" y="1506350"/>
+            <a:ext cx="5133339" cy="4351338"/>
+          </a:xfrm>
+          <a:prstGeom prst="rect">
+            <a:avLst/>
+          </a:prstGeom>
+        </p:spPr>
+      </p:pic>
     </p:spTree>
     <p:extLst>
       <p:ext uri="{BB962C8B-B14F-4D97-AF65-F5344CB8AC3E}">
-        <p14:creationId xmlns:p14="http://schemas.microsoft.com/office/powerpoint/2010/main" val="3037118411"/>
+        <p14:creationId xmlns:p14="http://schemas.microsoft.com/office/powerpoint/2010/main" val="4012839890"/>
       </p:ext>
     </p:extLst>
   </p:cSld>
@@ -12938,7 +14470,7 @@
 </p:sld>
 </file>
 
-<file path=ppt/slides/slide7.xml><?xml version="1.0" encoding="utf-8"?>
+<file path=ppt/slides/slide8.xml><?xml version="1.0" encoding="utf-8"?>
 <p:sld xmlns:a="http://schemas.openxmlformats.org/drawingml/2006/main" xmlns:r="http://schemas.openxmlformats.org/officeDocument/2006/relationships" xmlns:p="http://schemas.openxmlformats.org/presentationml/2006/main">
   <p:cSld>
     <p:bg>
@@ -13032,14 +14564,14 @@
           <p:nvPr>
             <p:extLst>
               <p:ext uri="{D42A27DB-BD31-4B8C-83A1-F6EECF244321}">
-                <p14:modId xmlns:p14="http://schemas.microsoft.com/office/powerpoint/2010/main" val="428193662"/>
+                <p14:modId xmlns:p14="http://schemas.microsoft.com/office/powerpoint/2010/main" val="1317787007"/>
               </p:ext>
             </p:extLst>
           </p:nvPr>
         </p:nvGraphicFramePr>
         <p:xfrm>
-          <a:off x="838200" y="1690688"/>
-          <a:ext cx="10515600" cy="4113207"/>
+          <a:off x="838200" y="1284288"/>
+          <a:ext cx="10515601" cy="5089275"/>
         </p:xfrm>
         <a:graphic>
           <a:graphicData uri="http://schemas.openxmlformats.org/drawingml/2006/table">
@@ -13048,21 +14580,28 @@
                 <a:tableStyleId>{5C22544A-7EE6-4342-B048-85BDC9FD1C3A}</a:tableStyleId>
               </a:tblPr>
               <a:tblGrid>
-                <a:gridCol w="2716266">
+                <a:gridCol w="2037200">
                   <a:extLst>
                     <a:ext uri="{9D8B030D-6E8A-4147-A177-3AD203B41FA5}">
                       <a16:colId xmlns:a16="http://schemas.microsoft.com/office/drawing/2014/main" val="411247490"/>
                     </a:ext>
                   </a:extLst>
                 </a:gridCol>
-                <a:gridCol w="4294134">
+                <a:gridCol w="3220601">
                   <a:extLst>
                     <a:ext uri="{9D8B030D-6E8A-4147-A177-3AD203B41FA5}">
                       <a16:colId xmlns:a16="http://schemas.microsoft.com/office/drawing/2014/main" val="2779015370"/>
                     </a:ext>
                   </a:extLst>
                 </a:gridCol>
-                <a:gridCol w="3505200">
+                <a:gridCol w="2628900">
+                  <a:extLst>
+                    <a:ext uri="{9D8B030D-6E8A-4147-A177-3AD203B41FA5}">
+                      <a16:colId xmlns:a16="http://schemas.microsoft.com/office/drawing/2014/main" val="3761950245"/>
+                    </a:ext>
+                  </a:extLst>
+                </a:gridCol>
+                <a:gridCol w="2628900">
                   <a:extLst>
                     <a:ext uri="{9D8B030D-6E8A-4147-A177-3AD203B41FA5}">
                       <a16:colId xmlns:a16="http://schemas.microsoft.com/office/drawing/2014/main" val="1267102839"/>
@@ -13106,6 +14645,20 @@
                     <a:p>
                       <a:r>
                         <a:rPr lang="en-US" sz="2000" dirty="0"/>
+                        <a:t>Scaling</a:t>
+                      </a:r>
+                      <a:endParaRPr lang="en-CA" sz="2000" dirty="0"/>
+                    </a:p>
+                  </a:txBody>
+                  <a:tcPr/>
+                </a:tc>
+                <a:tc>
+                  <a:txBody>
+                    <a:bodyPr/>
+                    <a:lstStyle/>
+                    <a:p>
+                      <a:r>
+                        <a:rPr lang="en-US" sz="2000" dirty="0"/>
                         <a:t>Feature Selection Method</a:t>
                       </a:r>
                       <a:endParaRPr lang="en-CA" sz="2000" dirty="0"/>
@@ -13120,7 +14673,7 @@
                 </a:extLst>
               </a:tr>
               <a:tr h="457023">
-                <a:tc rowSpan="3">
+                <a:tc rowSpan="5">
                   <a:txBody>
                     <a:bodyPr/>
                     <a:lstStyle/>
@@ -13159,6 +14712,24 @@
                       <a:r>
                         <a:rPr lang="en-US" sz="2000" dirty="0"/>
                         <a:t>Bag-of-words</a:t>
+                      </a:r>
+                    </a:p>
+                  </a:txBody>
+                  <a:tcPr/>
+                </a:tc>
+                <a:tc>
+                  <a:txBody>
+                    <a:bodyPr/>
+                    <a:lstStyle/>
+                    <a:p>
+                      <a:pPr lvl="0"/>
+                      <a:r>
+                        <a:rPr lang="en-US" sz="2000" baseline="0" dirty="0" err="1"/>
+                        <a:t>MinMaxScaler</a:t>
+                      </a:r>
+                      <a:r>
+                        <a:rPr lang="en-US" sz="2000" baseline="0" dirty="0"/>
+                        <a:t>()</a:t>
                       </a:r>
                     </a:p>
                   </a:txBody>
@@ -13269,6 +14840,63 @@
                         <a:defRPr/>
                       </a:pPr>
                       <a:r>
+                        <a:rPr kumimoji="0" lang="en-US" sz="2000" b="0" i="0" u="none" strike="noStrike" kern="1200" cap="none" spc="0" normalizeH="0" baseline="0" noProof="0">
+                          <a:ln>
+                            <a:noFill/>
+                          </a:ln>
+                          <a:solidFill>
+                            <a:prstClr val="black"/>
+                          </a:solidFill>
+                          <a:effectLst/>
+                          <a:uLnTx/>
+                          <a:uFillTx/>
+                          <a:latin typeface="Calibri" panose="020F0502020204030204"/>
+                          <a:ea typeface="+mn-ea"/>
+                          <a:cs typeface="+mn-cs"/>
+                        </a:rPr>
+                        <a:t>MinMaxScaler()</a:t>
+                      </a:r>
+                      <a:endParaRPr kumimoji="0" lang="en-US" sz="2000" b="0" i="0" u="none" strike="noStrike" kern="1200" cap="none" spc="0" normalizeH="0" baseline="0" noProof="0" dirty="0">
+                        <a:ln>
+                          <a:noFill/>
+                        </a:ln>
+                        <a:solidFill>
+                          <a:prstClr val="black"/>
+                        </a:solidFill>
+                        <a:effectLst/>
+                        <a:uLnTx/>
+                        <a:uFillTx/>
+                        <a:latin typeface="Calibri" panose="020F0502020204030204"/>
+                        <a:ea typeface="+mn-ea"/>
+                        <a:cs typeface="+mn-cs"/>
+                      </a:endParaRPr>
+                    </a:p>
+                  </a:txBody>
+                  <a:tcPr/>
+                </a:tc>
+                <a:tc>
+                  <a:txBody>
+                    <a:bodyPr/>
+                    <a:lstStyle/>
+                    <a:p>
+                      <a:pPr marL="0" marR="0" lvl="0" indent="0" algn="l" defTabSz="914400" rtl="0" eaLnBrk="1" fontAlgn="auto" latinLnBrk="0" hangingPunct="1">
+                        <a:lnSpc>
+                          <a:spcPct val="100000"/>
+                        </a:lnSpc>
+                        <a:spcBef>
+                          <a:spcPts val="0"/>
+                        </a:spcBef>
+                        <a:spcAft>
+                          <a:spcPts val="0"/>
+                        </a:spcAft>
+                        <a:buClrTx/>
+                        <a:buSzTx/>
+                        <a:buFontTx/>
+                        <a:buNone/>
+                        <a:tabLst/>
+                        <a:defRPr/>
+                      </a:pPr>
+                      <a:r>
                         <a:rPr lang="en-US" sz="2000" dirty="0"/>
                         <a:t>Univariate Chi</a:t>
                       </a:r>
@@ -13351,20 +14979,40 @@
                         <a:defRPr/>
                       </a:pPr>
                       <a:r>
-                        <a:rPr lang="en-US" sz="2000" baseline="0" dirty="0"/>
-                        <a:t>PCA</a:t>
+                        <a:rPr kumimoji="0" lang="en-US" sz="2000" b="0" i="0" u="none" strike="noStrike" kern="1200" cap="none" spc="0" normalizeH="0" baseline="0" noProof="0">
+                          <a:ln>
+                            <a:noFill/>
+                          </a:ln>
+                          <a:solidFill>
+                            <a:prstClr val="black"/>
+                          </a:solidFill>
+                          <a:effectLst/>
+                          <a:uLnTx/>
+                          <a:uFillTx/>
+                          <a:latin typeface="Calibri" panose="020F0502020204030204"/>
+                          <a:ea typeface="+mn-ea"/>
+                          <a:cs typeface="+mn-cs"/>
+                        </a:rPr>
+                        <a:t>MinMaxScaler()</a:t>
                       </a:r>
+                      <a:endParaRPr kumimoji="0" lang="en-US" sz="2000" b="0" i="0" u="none" strike="noStrike" kern="1200" cap="none" spc="0" normalizeH="0" baseline="0" noProof="0" dirty="0">
+                        <a:ln>
+                          <a:noFill/>
+                        </a:ln>
+                        <a:solidFill>
+                          <a:prstClr val="black"/>
+                        </a:solidFill>
+                        <a:effectLst/>
+                        <a:uLnTx/>
+                        <a:uFillTx/>
+                        <a:latin typeface="Calibri" panose="020F0502020204030204"/>
+                        <a:ea typeface="+mn-ea"/>
+                        <a:cs typeface="+mn-cs"/>
+                      </a:endParaRPr>
                     </a:p>
                   </a:txBody>
                   <a:tcPr/>
                 </a:tc>
-                <a:extLst>
-                  <a:ext uri="{0D108BD9-81ED-4DB2-BD59-A6C34878D82A}">
-                    <a16:rowId xmlns:a16="http://schemas.microsoft.com/office/drawing/2014/main" val="3682932441"/>
-                  </a:ext>
-                </a:extLst>
-              </a:tr>
-              <a:tr h="457023">
                 <a:tc>
                   <a:txBody>
                     <a:bodyPr/>
@@ -13388,9 +15036,43 @@
                         <a:defRPr/>
                       </a:pPr>
                       <a:r>
-                        <a:rPr lang="en-US" sz="2000" b="1" dirty="0"/>
-                        <a:t>Combination Vector</a:t>
+                        <a:rPr lang="en-US" sz="2000" baseline="0" dirty="0"/>
+                        <a:t>PCA</a:t>
                       </a:r>
+                    </a:p>
+                  </a:txBody>
+                  <a:tcPr/>
+                </a:tc>
+                <a:extLst>
+                  <a:ext uri="{0D108BD9-81ED-4DB2-BD59-A6C34878D82A}">
+                    <a16:rowId xmlns:a16="http://schemas.microsoft.com/office/drawing/2014/main" val="3682932441"/>
+                  </a:ext>
+                </a:extLst>
+              </a:tr>
+              <a:tr h="457023">
+                <a:tc vMerge="1">
+                  <a:txBody>
+                    <a:bodyPr/>
+                    <a:lstStyle/>
+                    <a:p>
+                      <a:pPr marL="0" marR="0" lvl="0" indent="0" algn="l" defTabSz="914400" rtl="0" eaLnBrk="1" fontAlgn="auto" latinLnBrk="0" hangingPunct="1">
+                        <a:lnSpc>
+                          <a:spcPct val="100000"/>
+                        </a:lnSpc>
+                        <a:spcBef>
+                          <a:spcPts val="0"/>
+                        </a:spcBef>
+                        <a:spcAft>
+                          <a:spcPts val="0"/>
+                        </a:spcAft>
+                        <a:buClrTx/>
+                        <a:buSzTx/>
+                        <a:buFontTx/>
+                        <a:buNone/>
+                        <a:tabLst/>
+                        <a:defRPr/>
+                      </a:pPr>
+                      <a:endParaRPr lang="en-US" sz="2000" b="1" dirty="0"/>
                     </a:p>
                   </a:txBody>
                   <a:tcPr/>
@@ -13449,24 +15131,40 @@
                         <a:defRPr/>
                       </a:pPr>
                       <a:r>
-                        <a:rPr lang="en-US" sz="2000" dirty="0"/>
-                        <a:t>Univariate Chi</a:t>
+                        <a:rPr kumimoji="0" lang="en-US" sz="2000" b="0" i="0" u="none" strike="noStrike" kern="1200" cap="none" spc="0" normalizeH="0" baseline="0" noProof="0">
+                          <a:ln>
+                            <a:noFill/>
+                          </a:ln>
+                          <a:solidFill>
+                            <a:prstClr val="black"/>
+                          </a:solidFill>
+                          <a:effectLst/>
+                          <a:uLnTx/>
+                          <a:uFillTx/>
+                          <a:latin typeface="Calibri" panose="020F0502020204030204"/>
+                          <a:ea typeface="+mn-ea"/>
+                          <a:cs typeface="+mn-cs"/>
+                        </a:rPr>
+                        <a:t>MinMaxScaler()</a:t>
                       </a:r>
-                      <a:r>
-                        <a:rPr lang="en-US" sz="2000" baseline="30000" dirty="0"/>
-                        <a:t>2</a:t>
-                      </a:r>
+                      <a:endParaRPr kumimoji="0" lang="en-US" sz="2000" b="0" i="0" u="none" strike="noStrike" kern="1200" cap="none" spc="0" normalizeH="0" baseline="0" noProof="0" dirty="0">
+                        <a:ln>
+                          <a:noFill/>
+                        </a:ln>
+                        <a:solidFill>
+                          <a:prstClr val="black"/>
+                        </a:solidFill>
+                        <a:effectLst/>
+                        <a:uLnTx/>
+                        <a:uFillTx/>
+                        <a:latin typeface="Calibri" panose="020F0502020204030204"/>
+                        <a:ea typeface="+mn-ea"/>
+                        <a:cs typeface="+mn-cs"/>
+                      </a:endParaRPr>
                     </a:p>
                   </a:txBody>
                   <a:tcPr/>
                 </a:tc>
-                <a:extLst>
-                  <a:ext uri="{0D108BD9-81ED-4DB2-BD59-A6C34878D82A}">
-                    <a16:rowId xmlns:a16="http://schemas.microsoft.com/office/drawing/2014/main" val="1933855386"/>
-                  </a:ext>
-                </a:extLst>
-              </a:tr>
-              <a:tr h="457023">
                 <a:tc>
                   <a:txBody>
                     <a:bodyPr/>
@@ -13490,9 +15188,47 @@
                         <a:defRPr/>
                       </a:pPr>
                       <a:r>
-                        <a:rPr lang="en-US" sz="2000" b="1" dirty="0"/>
-                        <a:t>Word Level</a:t>
+                        <a:rPr lang="en-US" sz="2000" dirty="0"/>
+                        <a:t>Univariate Chi</a:t>
                       </a:r>
+                      <a:r>
+                        <a:rPr lang="en-US" sz="2000" baseline="30000" dirty="0"/>
+                        <a:t>2</a:t>
+                      </a:r>
+                    </a:p>
+                  </a:txBody>
+                  <a:tcPr/>
+                </a:tc>
+                <a:extLst>
+                  <a:ext uri="{0D108BD9-81ED-4DB2-BD59-A6C34878D82A}">
+                    <a16:rowId xmlns:a16="http://schemas.microsoft.com/office/drawing/2014/main" val="1933855386"/>
+                  </a:ext>
+                </a:extLst>
+              </a:tr>
+              <a:tr h="457023">
+                <a:tc vMerge="1">
+                  <a:txBody>
+                    <a:bodyPr/>
+                    <a:lstStyle/>
+                    <a:p>
+                      <a:pPr marL="0" marR="0" lvl="0" indent="0" algn="l" defTabSz="914400" rtl="0" eaLnBrk="1" fontAlgn="auto" latinLnBrk="0" hangingPunct="1">
+                        <a:lnSpc>
+                          <a:spcPct val="100000"/>
+                        </a:lnSpc>
+                        <a:spcBef>
+                          <a:spcPts val="0"/>
+                        </a:spcBef>
+                        <a:spcAft>
+                          <a:spcPts val="0"/>
+                        </a:spcAft>
+                        <a:buClrTx/>
+                        <a:buSzTx/>
+                        <a:buFontTx/>
+                        <a:buNone/>
+                        <a:tabLst/>
+                        <a:defRPr/>
+                      </a:pPr>
+                      <a:endParaRPr lang="en-US" sz="2000" b="1" dirty="0"/>
                     </a:p>
                   </a:txBody>
                   <a:tcPr/>
@@ -13522,6 +15258,66 @@
                       <a:r>
                         <a:rPr lang="en-US" sz="2000" dirty="0"/>
                         <a:t>TF-IDF</a:t>
+                      </a:r>
+                    </a:p>
+                  </a:txBody>
+                  <a:tcPr/>
+                </a:tc>
+                <a:tc>
+                  <a:txBody>
+                    <a:bodyPr/>
+                    <a:lstStyle/>
+                    <a:p>
+                      <a:pPr marL="0" marR="0" lvl="0" indent="0" algn="l" defTabSz="914400" rtl="0" eaLnBrk="1" fontAlgn="auto" latinLnBrk="0" hangingPunct="1">
+                        <a:lnSpc>
+                          <a:spcPct val="100000"/>
+                        </a:lnSpc>
+                        <a:spcBef>
+                          <a:spcPts val="0"/>
+                        </a:spcBef>
+                        <a:spcAft>
+                          <a:spcPts val="0"/>
+                        </a:spcAft>
+                        <a:buClrTx/>
+                        <a:buSzTx/>
+                        <a:buFontTx/>
+                        <a:buNone/>
+                        <a:tabLst/>
+                        <a:defRPr/>
+                      </a:pPr>
+                      <a:r>
+                        <a:rPr kumimoji="0" lang="en-US" sz="2000" b="0" i="0" u="none" strike="noStrike" kern="1200" cap="none" spc="0" normalizeH="0" baseline="0" noProof="0" dirty="0" err="1">
+                          <a:ln>
+                            <a:noFill/>
+                          </a:ln>
+                          <a:solidFill>
+                            <a:prstClr val="black"/>
+                          </a:solidFill>
+                          <a:effectLst/>
+                          <a:uLnTx/>
+                          <a:uFillTx/>
+                          <a:latin typeface="Calibri" panose="020F0502020204030204"/>
+                          <a:ea typeface="+mn-ea"/>
+                          <a:cs typeface="+mn-cs"/>
+                        </a:rPr>
+                        <a:t>MaxAbsScaler</a:t>
+                      </a:r>
+                      <a:r>
+                        <a:rPr kumimoji="0" lang="en-US" sz="2000" b="0" i="0" u="none" strike="noStrike" kern="1200" cap="none" spc="0" normalizeH="0" baseline="0" noProof="0" dirty="0">
+                          <a:ln>
+                            <a:noFill/>
+                          </a:ln>
+                          <a:solidFill>
+                            <a:prstClr val="black"/>
+                          </a:solidFill>
+                          <a:effectLst/>
+                          <a:uLnTx/>
+                          <a:uFillTx/>
+                          <a:latin typeface="Calibri" panose="020F0502020204030204"/>
+                          <a:ea typeface="+mn-ea"/>
+                          <a:cs typeface="+mn-cs"/>
+                        </a:rPr>
+                        <a:t>()</a:t>
                       </a:r>
                     </a:p>
                   </a:txBody>
@@ -13635,6 +15431,63 @@
                         <a:defRPr/>
                       </a:pPr>
                       <a:r>
+                        <a:rPr kumimoji="0" lang="en-US" sz="2000" b="0" i="0" u="none" strike="noStrike" kern="1200" cap="none" spc="0" normalizeH="0" baseline="0" noProof="0">
+                          <a:ln>
+                            <a:noFill/>
+                          </a:ln>
+                          <a:solidFill>
+                            <a:prstClr val="black"/>
+                          </a:solidFill>
+                          <a:effectLst/>
+                          <a:uLnTx/>
+                          <a:uFillTx/>
+                          <a:latin typeface="Calibri" panose="020F0502020204030204"/>
+                          <a:ea typeface="+mn-ea"/>
+                          <a:cs typeface="+mn-cs"/>
+                        </a:rPr>
+                        <a:t>MinMaxScaler()</a:t>
+                      </a:r>
+                      <a:endParaRPr kumimoji="0" lang="en-US" sz="2000" b="0" i="0" u="none" strike="noStrike" kern="1200" cap="none" spc="0" normalizeH="0" baseline="0" noProof="0" dirty="0">
+                        <a:ln>
+                          <a:noFill/>
+                        </a:ln>
+                        <a:solidFill>
+                          <a:prstClr val="black"/>
+                        </a:solidFill>
+                        <a:effectLst/>
+                        <a:uLnTx/>
+                        <a:uFillTx/>
+                        <a:latin typeface="Calibri" panose="020F0502020204030204"/>
+                        <a:ea typeface="+mn-ea"/>
+                        <a:cs typeface="+mn-cs"/>
+                      </a:endParaRPr>
+                    </a:p>
+                  </a:txBody>
+                  <a:tcPr/>
+                </a:tc>
+                <a:tc>
+                  <a:txBody>
+                    <a:bodyPr/>
+                    <a:lstStyle/>
+                    <a:p>
+                      <a:pPr marL="0" marR="0" lvl="0" indent="0" algn="l" defTabSz="914400" rtl="0" eaLnBrk="1" fontAlgn="auto" latinLnBrk="0" hangingPunct="1">
+                        <a:lnSpc>
+                          <a:spcPct val="100000"/>
+                        </a:lnSpc>
+                        <a:spcBef>
+                          <a:spcPts val="0"/>
+                        </a:spcBef>
+                        <a:spcAft>
+                          <a:spcPts val="0"/>
+                        </a:spcAft>
+                        <a:buClrTx/>
+                        <a:buSzTx/>
+                        <a:buFontTx/>
+                        <a:buNone/>
+                        <a:tabLst/>
+                        <a:defRPr/>
+                      </a:pPr>
+                      <a:r>
                         <a:rPr lang="en-US" sz="2000" dirty="0"/>
                         <a:t>Univariate Chi</a:t>
                       </a:r>
@@ -13697,6 +15550,66 @@
                       <a:r>
                         <a:rPr lang="en-US" sz="2000" dirty="0"/>
                         <a:t> model</a:t>
+                      </a:r>
+                    </a:p>
+                  </a:txBody>
+                  <a:tcPr/>
+                </a:tc>
+                <a:tc>
+                  <a:txBody>
+                    <a:bodyPr/>
+                    <a:lstStyle/>
+                    <a:p>
+                      <a:pPr marL="0" marR="0" lvl="0" indent="0" algn="l" defTabSz="914400" rtl="0" eaLnBrk="1" fontAlgn="auto" latinLnBrk="0" hangingPunct="1">
+                        <a:lnSpc>
+                          <a:spcPct val="100000"/>
+                        </a:lnSpc>
+                        <a:spcBef>
+                          <a:spcPts val="0"/>
+                        </a:spcBef>
+                        <a:spcAft>
+                          <a:spcPts val="0"/>
+                        </a:spcAft>
+                        <a:buClrTx/>
+                        <a:buSzTx/>
+                        <a:buFontTx/>
+                        <a:buNone/>
+                        <a:tabLst/>
+                        <a:defRPr/>
+                      </a:pPr>
+                      <a:r>
+                        <a:rPr kumimoji="0" lang="en-US" sz="2000" b="0" i="0" u="none" strike="noStrike" kern="1200" cap="none" spc="0" normalizeH="0" baseline="0" noProof="0" dirty="0" err="1">
+                          <a:ln>
+                            <a:noFill/>
+                          </a:ln>
+                          <a:solidFill>
+                            <a:prstClr val="black"/>
+                          </a:solidFill>
+                          <a:effectLst/>
+                          <a:uLnTx/>
+                          <a:uFillTx/>
+                          <a:latin typeface="Calibri" panose="020F0502020204030204"/>
+                          <a:ea typeface="+mn-ea"/>
+                          <a:cs typeface="+mn-cs"/>
+                        </a:rPr>
+                        <a:t>MinMaxScaler</a:t>
+                      </a:r>
+                      <a:r>
+                        <a:rPr kumimoji="0" lang="en-US" sz="2000" b="0" i="0" u="none" strike="noStrike" kern="1200" cap="none" spc="0" normalizeH="0" baseline="0" noProof="0" dirty="0">
+                          <a:ln>
+                            <a:noFill/>
+                          </a:ln>
+                          <a:solidFill>
+                            <a:prstClr val="black"/>
+                          </a:solidFill>
+                          <a:effectLst/>
+                          <a:uLnTx/>
+                          <a:uFillTx/>
+                          <a:latin typeface="Calibri" panose="020F0502020204030204"/>
+                          <a:ea typeface="+mn-ea"/>
+                          <a:cs typeface="+mn-cs"/>
+                        </a:rPr>
+                        <a:t>()</a:t>
                       </a:r>
                     </a:p>
                   </a:txBody>
@@ -13827,6 +15740,66 @@
                         <a:defRPr/>
                       </a:pPr>
                       <a:r>
+                        <a:rPr kumimoji="0" lang="en-US" sz="2000" b="0" i="0" u="none" strike="noStrike" kern="1200" cap="none" spc="0" normalizeH="0" baseline="0" noProof="0" dirty="0" err="1">
+                          <a:ln>
+                            <a:noFill/>
+                          </a:ln>
+                          <a:solidFill>
+                            <a:prstClr val="black"/>
+                          </a:solidFill>
+                          <a:effectLst/>
+                          <a:uLnTx/>
+                          <a:uFillTx/>
+                          <a:latin typeface="Calibri" panose="020F0502020204030204"/>
+                          <a:ea typeface="+mn-ea"/>
+                          <a:cs typeface="+mn-cs"/>
+                        </a:rPr>
+                        <a:t>MinMaxScaler</a:t>
+                      </a:r>
+                      <a:r>
+                        <a:rPr kumimoji="0" lang="en-US" sz="2000" b="0" i="0" u="none" strike="noStrike" kern="1200" cap="none" spc="0" normalizeH="0" baseline="0" noProof="0" dirty="0">
+                          <a:ln>
+                            <a:noFill/>
+                          </a:ln>
+                          <a:solidFill>
+                            <a:prstClr val="black"/>
+                          </a:solidFill>
+                          <a:effectLst/>
+                          <a:uLnTx/>
+                          <a:uFillTx/>
+                          <a:latin typeface="Calibri" panose="020F0502020204030204"/>
+                          <a:ea typeface="+mn-ea"/>
+                          <a:cs typeface="+mn-cs"/>
+                        </a:rPr>
+                        <a:t>()</a:t>
+                      </a:r>
+                    </a:p>
+                  </a:txBody>
+                  <a:tcPr/>
+                </a:tc>
+                <a:tc>
+                  <a:txBody>
+                    <a:bodyPr/>
+                    <a:lstStyle/>
+                    <a:p>
+                      <a:pPr marL="0" marR="0" lvl="0" indent="0" algn="l" defTabSz="914400" rtl="0" eaLnBrk="1" fontAlgn="auto" latinLnBrk="0" hangingPunct="1">
+                        <a:lnSpc>
+                          <a:spcPct val="100000"/>
+                        </a:lnSpc>
+                        <a:spcBef>
+                          <a:spcPts val="0"/>
+                        </a:spcBef>
+                        <a:spcAft>
+                          <a:spcPts val="0"/>
+                        </a:spcAft>
+                        <a:buClrTx/>
+                        <a:buSzTx/>
+                        <a:buFontTx/>
+                        <a:buNone/>
+                        <a:tabLst/>
+                        <a:defRPr/>
+                      </a:pPr>
+                      <a:r>
                         <a:rPr lang="en-US" sz="2000" dirty="0"/>
                         <a:t>Univariate Chi</a:t>
                       </a:r>
@@ -13861,302 +15834,6 @@
 </p:sld>
 </file>
 
-<file path=ppt/slides/slide8.xml><?xml version="1.0" encoding="utf-8"?>
-<p:sld xmlns:a="http://schemas.openxmlformats.org/drawingml/2006/main" xmlns:r="http://schemas.openxmlformats.org/officeDocument/2006/relationships" xmlns:p="http://schemas.openxmlformats.org/presentationml/2006/main">
-  <p:cSld>
-    <p:spTree>
-      <p:nvGrpSpPr>
-        <p:cNvPr id="1" name=""/>
-        <p:cNvGrpSpPr/>
-        <p:nvPr/>
-      </p:nvGrpSpPr>
-      <p:grpSpPr>
-        <a:xfrm>
-          <a:off x="0" y="0"/>
-          <a:ext cx="0" cy="0"/>
-          <a:chOff x="0" y="0"/>
-          <a:chExt cx="0" cy="0"/>
-        </a:xfrm>
-      </p:grpSpPr>
-      <p:sp>
-        <p:nvSpPr>
-          <p:cNvPr id="2" name="Title 1">
-            <a:extLst>
-              <a:ext uri="{FF2B5EF4-FFF2-40B4-BE49-F238E27FC236}">
-                <a16:creationId xmlns:a16="http://schemas.microsoft.com/office/drawing/2014/main" id="{078EF1BB-AFD2-4159-A52A-3DC689ABE7D4}"/>
-              </a:ext>
-            </a:extLst>
-          </p:cNvPr>
-          <p:cNvSpPr>
-            <a:spLocks noGrp="1"/>
-          </p:cNvSpPr>
-          <p:nvPr>
-            <p:ph type="title"/>
-          </p:nvPr>
-        </p:nvSpPr>
-        <p:spPr>
-          <a:xfrm>
-            <a:off x="838200" y="365125"/>
-            <a:ext cx="10515600" cy="897299"/>
-          </a:xfrm>
-        </p:spPr>
-        <p:txBody>
-          <a:bodyPr/>
-          <a:lstStyle/>
-          <a:p>
-            <a:r>
-              <a:rPr lang="en-US" dirty="0"/>
-              <a:t>Bag of Words</a:t>
-            </a:r>
-            <a:endParaRPr lang="en-CA" dirty="0"/>
-          </a:p>
-        </p:txBody>
-      </p:sp>
-      <p:sp>
-        <p:nvSpPr>
-          <p:cNvPr id="14" name="TextBox 13">
-            <a:extLst>
-              <a:ext uri="{FF2B5EF4-FFF2-40B4-BE49-F238E27FC236}">
-                <a16:creationId xmlns:a16="http://schemas.microsoft.com/office/drawing/2014/main" id="{735E6CF1-49F3-464A-A221-E557EC64390C}"/>
-              </a:ext>
-            </a:extLst>
-          </p:cNvPr>
-          <p:cNvSpPr txBox="1"/>
-          <p:nvPr/>
-        </p:nvSpPr>
-        <p:spPr>
-          <a:xfrm flipH="1">
-            <a:off x="436792" y="1341761"/>
-            <a:ext cx="2574199" cy="369332"/>
-          </a:xfrm>
-          <a:prstGeom prst="rect">
-            <a:avLst/>
-          </a:prstGeom>
-          <a:noFill/>
-        </p:spPr>
-        <p:txBody>
-          <a:bodyPr wrap="square" rtlCol="0">
-            <a:spAutoFit/>
-          </a:bodyPr>
-          <a:lstStyle/>
-          <a:p>
-            <a:r>
-              <a:rPr lang="en-US" dirty="0"/>
-              <a:t>Feature Extraction</a:t>
-            </a:r>
-            <a:endParaRPr lang="en-CA" dirty="0"/>
-          </a:p>
-        </p:txBody>
-      </p:sp>
-      <p:sp>
-        <p:nvSpPr>
-          <p:cNvPr id="15" name="TextBox 14">
-            <a:extLst>
-              <a:ext uri="{FF2B5EF4-FFF2-40B4-BE49-F238E27FC236}">
-                <a16:creationId xmlns:a16="http://schemas.microsoft.com/office/drawing/2014/main" id="{BF8D6167-4BD4-4DA1-AFFA-ED4A1BFD605A}"/>
-              </a:ext>
-            </a:extLst>
-          </p:cNvPr>
-          <p:cNvSpPr txBox="1"/>
-          <p:nvPr/>
-        </p:nvSpPr>
-        <p:spPr>
-          <a:xfrm flipH="1">
-            <a:off x="6434393" y="1392328"/>
-            <a:ext cx="5637583" cy="369332"/>
-          </a:xfrm>
-          <a:prstGeom prst="rect">
-            <a:avLst/>
-          </a:prstGeom>
-          <a:noFill/>
-        </p:spPr>
-        <p:txBody>
-          <a:bodyPr wrap="square" rtlCol="0">
-            <a:spAutoFit/>
-          </a:bodyPr>
-          <a:lstStyle/>
-          <a:p>
-            <a:r>
-              <a:rPr lang="en-US" dirty="0"/>
-              <a:t>Feature Selection – Univariate with Chi</a:t>
-            </a:r>
-            <a:r>
-              <a:rPr lang="en-US" baseline="30000" dirty="0"/>
-              <a:t>2</a:t>
-            </a:r>
-            <a:endParaRPr lang="en-CA" baseline="30000" dirty="0"/>
-          </a:p>
-        </p:txBody>
-      </p:sp>
-      <p:sp>
-        <p:nvSpPr>
-          <p:cNvPr id="16" name="TextBox 15">
-            <a:extLst>
-              <a:ext uri="{FF2B5EF4-FFF2-40B4-BE49-F238E27FC236}">
-                <a16:creationId xmlns:a16="http://schemas.microsoft.com/office/drawing/2014/main" id="{DFAB541D-0AD9-4E5C-92A8-22735DDAF8E3}"/>
-              </a:ext>
-            </a:extLst>
-          </p:cNvPr>
-          <p:cNvSpPr txBox="1"/>
-          <p:nvPr/>
-        </p:nvSpPr>
-        <p:spPr>
-          <a:xfrm flipH="1">
-            <a:off x="1257933" y="4935482"/>
-            <a:ext cx="2574199" cy="369332"/>
-          </a:xfrm>
-          <a:prstGeom prst="rect">
-            <a:avLst/>
-          </a:prstGeom>
-          <a:noFill/>
-        </p:spPr>
-        <p:txBody>
-          <a:bodyPr wrap="square" rtlCol="0">
-            <a:spAutoFit/>
-          </a:bodyPr>
-          <a:lstStyle/>
-          <a:p>
-            <a:r>
-              <a:rPr lang="en-US" dirty="0"/>
-              <a:t>Benchmarking</a:t>
-            </a:r>
-            <a:endParaRPr lang="en-CA" dirty="0"/>
-          </a:p>
-        </p:txBody>
-      </p:sp>
-      <p:pic>
-        <p:nvPicPr>
-          <p:cNvPr id="6" name="Picture 5">
-            <a:extLst>
-              <a:ext uri="{FF2B5EF4-FFF2-40B4-BE49-F238E27FC236}">
-                <a16:creationId xmlns:a16="http://schemas.microsoft.com/office/drawing/2014/main" id="{42EDA933-A267-4106-BDAD-255AA08C88FB}"/>
-              </a:ext>
-            </a:extLst>
-          </p:cNvPr>
-          <p:cNvPicPr>
-            <a:picLocks noChangeAspect="1"/>
-          </p:cNvPicPr>
-          <p:nvPr/>
-        </p:nvPicPr>
-        <p:blipFill>
-          <a:blip r:embed="rId3"/>
-          <a:stretch>
-            <a:fillRect/>
-          </a:stretch>
-        </p:blipFill>
-        <p:spPr>
-          <a:xfrm>
-            <a:off x="436793" y="1711093"/>
-            <a:ext cx="5049607" cy="3005921"/>
-          </a:xfrm>
-          <a:prstGeom prst="rect">
-            <a:avLst/>
-          </a:prstGeom>
-          <a:ln>
-            <a:noFill/>
-          </a:ln>
-          <a:effectLst>
-            <a:outerShdw blurRad="292100" dist="139700" dir="2700000" algn="tl" rotWithShape="0">
-              <a:srgbClr val="333333">
-                <a:alpha val="65000"/>
-              </a:srgbClr>
-            </a:outerShdw>
-          </a:effectLst>
-        </p:spPr>
-      </p:pic>
-      <p:pic>
-        <p:nvPicPr>
-          <p:cNvPr id="8" name="Picture 7">
-            <a:extLst>
-              <a:ext uri="{FF2B5EF4-FFF2-40B4-BE49-F238E27FC236}">
-                <a16:creationId xmlns:a16="http://schemas.microsoft.com/office/drawing/2014/main" id="{75C2CD56-65AC-48C2-A145-4759BDB3A931}"/>
-              </a:ext>
-            </a:extLst>
-          </p:cNvPr>
-          <p:cNvPicPr>
-            <a:picLocks noChangeAspect="1"/>
-          </p:cNvPicPr>
-          <p:nvPr/>
-        </p:nvPicPr>
-        <p:blipFill>
-          <a:blip r:embed="rId4"/>
-          <a:stretch>
-            <a:fillRect/>
-          </a:stretch>
-        </p:blipFill>
-        <p:spPr>
-          <a:xfrm>
-            <a:off x="6096000" y="1766880"/>
-            <a:ext cx="5637583" cy="2354009"/>
-          </a:xfrm>
-          <a:prstGeom prst="rect">
-            <a:avLst/>
-          </a:prstGeom>
-          <a:ln>
-            <a:noFill/>
-          </a:ln>
-          <a:effectLst>
-            <a:outerShdw blurRad="292100" dist="139700" dir="2700000" algn="tl" rotWithShape="0">
-              <a:srgbClr val="333333">
-                <a:alpha val="65000"/>
-              </a:srgbClr>
-            </a:outerShdw>
-          </a:effectLst>
-        </p:spPr>
-      </p:pic>
-      <p:pic>
-        <p:nvPicPr>
-          <p:cNvPr id="9" name="Picture 8">
-            <a:extLst>
-              <a:ext uri="{FF2B5EF4-FFF2-40B4-BE49-F238E27FC236}">
-                <a16:creationId xmlns:a16="http://schemas.microsoft.com/office/drawing/2014/main" id="{DCDBFE1E-E48A-4494-9DBE-C6E5902D890F}"/>
-              </a:ext>
-            </a:extLst>
-          </p:cNvPr>
-          <p:cNvPicPr>
-            <a:picLocks noChangeAspect="1"/>
-          </p:cNvPicPr>
-          <p:nvPr/>
-        </p:nvPicPr>
-        <p:blipFill>
-          <a:blip r:embed="rId5"/>
-          <a:stretch>
-            <a:fillRect/>
-          </a:stretch>
-        </p:blipFill>
-        <p:spPr>
-          <a:xfrm>
-            <a:off x="1257932" y="5247790"/>
-            <a:ext cx="9092567" cy="1301261"/>
-          </a:xfrm>
-          <a:prstGeom prst="rect">
-            <a:avLst/>
-          </a:prstGeom>
-          <a:ln>
-            <a:noFill/>
-          </a:ln>
-          <a:effectLst>
-            <a:outerShdw blurRad="292100" dist="139700" dir="2700000" algn="tl" rotWithShape="0">
-              <a:srgbClr val="333333">
-                <a:alpha val="65000"/>
-              </a:srgbClr>
-            </a:outerShdw>
-          </a:effectLst>
-        </p:spPr>
-      </p:pic>
-    </p:spTree>
-    <p:extLst>
-      <p:ext uri="{BB962C8B-B14F-4D97-AF65-F5344CB8AC3E}">
-        <p14:creationId xmlns:p14="http://schemas.microsoft.com/office/powerpoint/2010/main" val="4158142822"/>
-      </p:ext>
-    </p:extLst>
-  </p:cSld>
-  <p:clrMapOvr>
-    <a:masterClrMapping/>
-  </p:clrMapOvr>
-</p:sld>
-</file>
-
 <file path=ppt/slides/slide9.xml><?xml version="1.0" encoding="utf-8"?>
 <p:sld xmlns:a="http://schemas.openxmlformats.org/drawingml/2006/main" xmlns:r="http://schemas.openxmlformats.org/officeDocument/2006/relationships" xmlns:p="http://schemas.openxmlformats.org/presentationml/2006/main">
   <p:cSld>
@@ -14179,7 +15856,7 @@
           <p:cNvPr id="2" name="Title 1">
             <a:extLst>
               <a:ext uri="{FF2B5EF4-FFF2-40B4-BE49-F238E27FC236}">
-                <a16:creationId xmlns:a16="http://schemas.microsoft.com/office/drawing/2014/main" id="{078EF1BB-AFD2-4159-A52A-3DC689ABE7D4}"/>
+                <a16:creationId xmlns:a16="http://schemas.microsoft.com/office/drawing/2014/main" id="{D547659F-A920-475E-BFE8-8D22EFB40A4E}"/>
               </a:ext>
             </a:extLst>
           </p:cNvPr>
@@ -14190,19 +15867,14 @@
             <p:ph type="title"/>
           </p:nvPr>
         </p:nvSpPr>
-        <p:spPr>
-          <a:xfrm>
-            <a:off x="838200" y="365125"/>
-            <a:ext cx="10515600" cy="897299"/>
-          </a:xfrm>
-        </p:spPr>
+        <p:spPr/>
         <p:txBody>
           <a:bodyPr/>
           <a:lstStyle/>
           <a:p>
             <a:r>
               <a:rPr lang="en-US" dirty="0"/>
-              <a:t>Bag of n-Grams</a:t>
+              <a:t>Scaling Used for the Features</a:t>
             </a:r>
             <a:endParaRPr lang="en-CA" dirty="0"/>
           </a:p>
@@ -14210,240 +15882,94 @@
       </p:sp>
       <p:sp>
         <p:nvSpPr>
-          <p:cNvPr id="14" name="TextBox 13">
-            <a:extLst>
-              <a:ext uri="{FF2B5EF4-FFF2-40B4-BE49-F238E27FC236}">
-                <a16:creationId xmlns:a16="http://schemas.microsoft.com/office/drawing/2014/main" id="{735E6CF1-49F3-464A-A221-E557EC64390C}"/>
-              </a:ext>
-            </a:extLst>
-          </p:cNvPr>
-          <p:cNvSpPr txBox="1"/>
-          <p:nvPr/>
-        </p:nvSpPr>
-        <p:spPr>
-          <a:xfrm flipH="1">
-            <a:off x="436792" y="1341761"/>
-            <a:ext cx="2574199" cy="369332"/>
-          </a:xfrm>
-          <a:prstGeom prst="rect">
-            <a:avLst/>
-          </a:prstGeom>
-          <a:noFill/>
-        </p:spPr>
-        <p:txBody>
-          <a:bodyPr wrap="square" rtlCol="0">
-            <a:spAutoFit/>
-          </a:bodyPr>
+          <p:cNvPr id="3" name="Content Placeholder 2">
+            <a:extLst>
+              <a:ext uri="{FF2B5EF4-FFF2-40B4-BE49-F238E27FC236}">
+                <a16:creationId xmlns:a16="http://schemas.microsoft.com/office/drawing/2014/main" id="{D43013A9-C4E9-4622-A79A-96DAA98AB9CB}"/>
+              </a:ext>
+            </a:extLst>
+          </p:cNvPr>
+          <p:cNvSpPr>
+            <a:spLocks noGrp="1"/>
+          </p:cNvSpPr>
+          <p:nvPr>
+            <p:ph idx="1"/>
+          </p:nvPr>
+        </p:nvSpPr>
+        <p:spPr/>
+        <p:txBody>
+          <a:bodyPr/>
           <a:lstStyle/>
           <a:p>
             <a:r>
+              <a:rPr lang="en-US" b="1" dirty="0" err="1"/>
+              <a:t>MinMaxScaler</a:t>
+            </a:r>
+            <a:r>
               <a:rPr lang="en-US" dirty="0"/>
-              <a:t>Feature Extraction</a:t>
-            </a:r>
+              <a:t>. Transform features by scaling each feature to a given range. This estimator scales and translates each feature individually such that it </a:t>
+            </a:r>
+            <a:r>
+              <a:rPr lang="en-US" b="1" dirty="0"/>
+              <a:t>is</a:t>
+            </a:r>
+            <a:r>
+              <a:rPr lang="en-US" dirty="0"/>
+              <a:t> in the given range on the training set, e.g. between zero and one. ... This transformation </a:t>
+            </a:r>
+            <a:r>
+              <a:rPr lang="en-US" b="1" dirty="0"/>
+              <a:t>is</a:t>
+            </a:r>
+            <a:r>
+              <a:rPr lang="en-US" dirty="0"/>
+              <a:t> often used as an alternative to zero mean, unit variance scaling.</a:t>
+            </a:r>
+            <a:endParaRPr lang="en-US" b="1" dirty="0"/>
+          </a:p>
+          <a:p>
+            <a:r>
+              <a:rPr lang="en-US" b="1" dirty="0" err="1"/>
+              <a:t>MaxAbsScaler</a:t>
+            </a:r>
+            <a:r>
+              <a:rPr lang="en-US" dirty="0"/>
+              <a:t>. Scale each feature by its maximum absolute value. This estimator scales and translates each feature individually such that the maximal absolute value of each feature in the training set </a:t>
+            </a:r>
+            <a:r>
+              <a:rPr lang="en-US" b="1" dirty="0"/>
+              <a:t>will</a:t>
+            </a:r>
+            <a:r>
+              <a:rPr lang="en-US" dirty="0"/>
+              <a:t> be 1.0. It </a:t>
+            </a:r>
+            <a:r>
+              <a:rPr lang="en-US" b="1" dirty="0"/>
+              <a:t>does</a:t>
+            </a:r>
+            <a:r>
+              <a:rPr lang="en-US" dirty="0"/>
+              <a:t> not shift/center the data, and thus </a:t>
+            </a:r>
+            <a:r>
+              <a:rPr lang="en-US" b="1" dirty="0"/>
+              <a:t>does</a:t>
+            </a:r>
+            <a:r>
+              <a:rPr lang="en-US" dirty="0"/>
+              <a:t> not destroy any sparsity.</a:t>
+            </a:r>
+          </a:p>
+          <a:p>
             <a:endParaRPr lang="en-CA" dirty="0"/>
           </a:p>
         </p:txBody>
       </p:sp>
-      <p:sp>
-        <p:nvSpPr>
-          <p:cNvPr id="15" name="TextBox 14">
-            <a:extLst>
-              <a:ext uri="{FF2B5EF4-FFF2-40B4-BE49-F238E27FC236}">
-                <a16:creationId xmlns:a16="http://schemas.microsoft.com/office/drawing/2014/main" id="{BF8D6167-4BD4-4DA1-AFFA-ED4A1BFD605A}"/>
-              </a:ext>
-            </a:extLst>
-          </p:cNvPr>
-          <p:cNvSpPr txBox="1"/>
-          <p:nvPr/>
-        </p:nvSpPr>
-        <p:spPr>
-          <a:xfrm flipH="1">
-            <a:off x="6002593" y="1392561"/>
-            <a:ext cx="5615396" cy="369332"/>
-          </a:xfrm>
-          <a:prstGeom prst="rect">
-            <a:avLst/>
-          </a:prstGeom>
-          <a:noFill/>
-        </p:spPr>
-        <p:txBody>
-          <a:bodyPr wrap="square" rtlCol="0">
-            <a:spAutoFit/>
-          </a:bodyPr>
-          <a:lstStyle/>
-          <a:p>
-            <a:r>
-              <a:rPr lang="en-US" dirty="0"/>
-              <a:t>Feature Selection – Univariate with Chi</a:t>
-            </a:r>
-            <a:r>
-              <a:rPr lang="en-US" baseline="30000" dirty="0"/>
-              <a:t>2</a:t>
-            </a:r>
-            <a:endParaRPr lang="en-CA" baseline="30000" dirty="0"/>
-          </a:p>
-        </p:txBody>
-      </p:sp>
-      <p:sp>
-        <p:nvSpPr>
-          <p:cNvPr id="17" name="TextBox 16">
-            <a:extLst>
-              <a:ext uri="{FF2B5EF4-FFF2-40B4-BE49-F238E27FC236}">
-                <a16:creationId xmlns:a16="http://schemas.microsoft.com/office/drawing/2014/main" id="{63C0B7F1-A257-4F26-B5EE-8254021FA540}"/>
-              </a:ext>
-            </a:extLst>
-          </p:cNvPr>
-          <p:cNvSpPr txBox="1"/>
-          <p:nvPr/>
-        </p:nvSpPr>
-        <p:spPr>
-          <a:xfrm flipH="1">
-            <a:off x="1281184" y="4927698"/>
-            <a:ext cx="2574199" cy="369332"/>
-          </a:xfrm>
-          <a:prstGeom prst="rect">
-            <a:avLst/>
-          </a:prstGeom>
-          <a:noFill/>
-        </p:spPr>
-        <p:txBody>
-          <a:bodyPr wrap="square" rtlCol="0">
-            <a:spAutoFit/>
-          </a:bodyPr>
-          <a:lstStyle/>
-          <a:p>
-            <a:r>
-              <a:rPr lang="en-US" dirty="0"/>
-              <a:t>Benchmarking</a:t>
-            </a:r>
-            <a:endParaRPr lang="en-CA" dirty="0"/>
-          </a:p>
-        </p:txBody>
-      </p:sp>
-      <p:pic>
-        <p:nvPicPr>
-          <p:cNvPr id="7" name="Picture 6">
-            <a:extLst>
-              <a:ext uri="{FF2B5EF4-FFF2-40B4-BE49-F238E27FC236}">
-                <a16:creationId xmlns:a16="http://schemas.microsoft.com/office/drawing/2014/main" id="{05B5CDD6-65A2-4007-AC83-351F3E37EC06}"/>
-              </a:ext>
-            </a:extLst>
-          </p:cNvPr>
-          <p:cNvPicPr>
-            <a:picLocks noChangeAspect="1"/>
-          </p:cNvPicPr>
-          <p:nvPr/>
-        </p:nvPicPr>
-        <p:blipFill>
-          <a:blip r:embed="rId3"/>
-          <a:stretch>
-            <a:fillRect/>
-          </a:stretch>
-        </p:blipFill>
-        <p:spPr>
-          <a:xfrm>
-            <a:off x="436793" y="1711093"/>
-            <a:ext cx="5088604" cy="2606004"/>
-          </a:xfrm>
-          <a:prstGeom prst="rect">
-            <a:avLst/>
-          </a:prstGeom>
-          <a:ln>
-            <a:noFill/>
-          </a:ln>
-          <a:effectLst>
-            <a:outerShdw blurRad="292100" dist="139700" dir="2700000" algn="tl" rotWithShape="0">
-              <a:srgbClr val="333333">
-                <a:alpha val="65000"/>
-              </a:srgbClr>
-            </a:outerShdw>
-          </a:effectLst>
-        </p:spPr>
-      </p:pic>
-      <p:pic>
-        <p:nvPicPr>
-          <p:cNvPr id="8" name="Picture 7">
-            <a:extLst>
-              <a:ext uri="{FF2B5EF4-FFF2-40B4-BE49-F238E27FC236}">
-                <a16:creationId xmlns:a16="http://schemas.microsoft.com/office/drawing/2014/main" id="{46386E82-0828-4021-8499-9F8D6F0222BB}"/>
-              </a:ext>
-            </a:extLst>
-          </p:cNvPr>
-          <p:cNvPicPr>
-            <a:picLocks noChangeAspect="1"/>
-          </p:cNvPicPr>
-          <p:nvPr/>
-        </p:nvPicPr>
-        <p:blipFill>
-          <a:blip r:embed="rId4"/>
-          <a:stretch>
-            <a:fillRect/>
-          </a:stretch>
-        </p:blipFill>
-        <p:spPr>
-          <a:xfrm>
-            <a:off x="6002594" y="1711094"/>
-            <a:ext cx="5752614" cy="2547586"/>
-          </a:xfrm>
-          <a:prstGeom prst="rect">
-            <a:avLst/>
-          </a:prstGeom>
-          <a:ln>
-            <a:noFill/>
-          </a:ln>
-          <a:effectLst>
-            <a:outerShdw blurRad="292100" dist="139700" dir="2700000" algn="tl" rotWithShape="0">
-              <a:srgbClr val="333333">
-                <a:alpha val="65000"/>
-              </a:srgbClr>
-            </a:outerShdw>
-          </a:effectLst>
-        </p:spPr>
-      </p:pic>
-      <p:pic>
-        <p:nvPicPr>
-          <p:cNvPr id="10" name="Picture 9">
-            <a:extLst>
-              <a:ext uri="{FF2B5EF4-FFF2-40B4-BE49-F238E27FC236}">
-                <a16:creationId xmlns:a16="http://schemas.microsoft.com/office/drawing/2014/main" id="{5CD6632E-2B4C-4205-8F65-DB3E29A4192B}"/>
-              </a:ext>
-            </a:extLst>
-          </p:cNvPr>
-          <p:cNvPicPr>
-            <a:picLocks noChangeAspect="1"/>
-          </p:cNvPicPr>
-          <p:nvPr/>
-        </p:nvPicPr>
-        <p:blipFill>
-          <a:blip r:embed="rId5"/>
-          <a:stretch>
-            <a:fillRect/>
-          </a:stretch>
-        </p:blipFill>
-        <p:spPr>
-          <a:xfrm>
-            <a:off x="1281183" y="5297030"/>
-            <a:ext cx="9535703" cy="1195845"/>
-          </a:xfrm>
-          <a:prstGeom prst="rect">
-            <a:avLst/>
-          </a:prstGeom>
-          <a:ln>
-            <a:noFill/>
-          </a:ln>
-          <a:effectLst>
-            <a:outerShdw blurRad="292100" dist="139700" dir="2700000" algn="tl" rotWithShape="0">
-              <a:srgbClr val="333333">
-                <a:alpha val="65000"/>
-              </a:srgbClr>
-            </a:outerShdw>
-          </a:effectLst>
-        </p:spPr>
-      </p:pic>
     </p:spTree>
     <p:extLst>
       <p:ext uri="{BB962C8B-B14F-4D97-AF65-F5344CB8AC3E}">
-        <p14:creationId xmlns:p14="http://schemas.microsoft.com/office/powerpoint/2010/main" val="904262988"/>
+        <p14:creationId xmlns:p14="http://schemas.microsoft.com/office/powerpoint/2010/main" val="130230195"/>
       </p:ext>
     </p:extLst>
   </p:cSld>
